--- a/Chapter 02 - Learning Docker Commands.pptx
+++ b/Chapter 02 - Learning Docker Commands.pptx
@@ -7,8 +7,8 @@
   <p:sldIdLst>
     <p:sldId id="257" r:id="rId2"/>
     <p:sldId id="258" r:id="rId3"/>
-    <p:sldId id="263" r:id="rId4"/>
-    <p:sldId id="260" r:id="rId5"/>
+    <p:sldId id="260" r:id="rId4"/>
+    <p:sldId id="263" r:id="rId5"/>
     <p:sldId id="262" r:id="rId6"/>
     <p:sldId id="288" r:id="rId7"/>
     <p:sldId id="289" r:id="rId8"/>
@@ -210,7 +210,7 @@
           <a:noFill/>
           <a:extLst>
             <a:ext uri="{909E8E84-426E-40dd-AFC4-6F175D3DCCD1}">
-              <a14:hiddenFill xmlns:a14="http://schemas.microsoft.com/office/drawing/2010/main" xmlns="">
+              <a14:hiddenFill xmlns="" xmlns:a14="http://schemas.microsoft.com/office/drawing/2010/main">
                 <a:solidFill>
                   <a:srgbClr val="FFFFFF"/>
                 </a:solidFill>
@@ -269,7 +269,7 @@
             </a:ln>
             <a:extLst>
               <a:ext uri="{91240B29-F687-4f45-9708-019B960494DF}">
-                <a14:hiddenLine xmlns:a14="http://schemas.microsoft.com/office/drawing/2010/main" xmlns="" w="9525">
+                <a14:hiddenLine xmlns="" xmlns:a14="http://schemas.microsoft.com/office/drawing/2010/main" w="9525">
                   <a:solidFill>
                     <a:srgbClr val="000000"/>
                   </a:solidFill>
@@ -359,7 +359,7 @@
             </a:ln>
             <a:extLst>
               <a:ext uri="{91240B29-F687-4f45-9708-019B960494DF}">
-                <a14:hiddenLine xmlns:a14="http://schemas.microsoft.com/office/drawing/2010/main" xmlns="" w="9525">
+                <a14:hiddenLine xmlns="" xmlns:a14="http://schemas.microsoft.com/office/drawing/2010/main" w="9525">
                   <a:solidFill>
                     <a:srgbClr val="000000"/>
                   </a:solidFill>
@@ -449,7 +449,7 @@
             </a:ln>
             <a:extLst>
               <a:ext uri="{91240B29-F687-4f45-9708-019B960494DF}">
-                <a14:hiddenLine xmlns:a14="http://schemas.microsoft.com/office/drawing/2010/main" xmlns="" w="9525">
+                <a14:hiddenLine xmlns="" xmlns:a14="http://schemas.microsoft.com/office/drawing/2010/main" w="9525">
                   <a:solidFill>
                     <a:srgbClr val="000000"/>
                   </a:solidFill>
@@ -483,7 +483,7 @@
             </a:ln>
             <a:extLst>
               <a:ext uri="{91240B29-F687-4f45-9708-019B960494DF}">
-                <a14:hiddenLine xmlns:a14="http://schemas.microsoft.com/office/drawing/2010/main" xmlns="" w="9525">
+                <a14:hiddenLine xmlns="" xmlns:a14="http://schemas.microsoft.com/office/drawing/2010/main" w="9525">
                   <a:solidFill>
                     <a:srgbClr val="000000"/>
                   </a:solidFill>
@@ -573,7 +573,7 @@
             </a:ln>
             <a:extLst>
               <a:ext uri="{91240B29-F687-4f45-9708-019B960494DF}">
-                <a14:hiddenLine xmlns:a14="http://schemas.microsoft.com/office/drawing/2010/main" xmlns="" w="9525">
+                <a14:hiddenLine xmlns="" xmlns:a14="http://schemas.microsoft.com/office/drawing/2010/main" w="9525">
                   <a:solidFill>
                     <a:srgbClr val="000000"/>
                   </a:solidFill>
@@ -635,7 +635,7 @@
             </a:ln>
             <a:extLst>
               <a:ext uri="{91240B29-F687-4f45-9708-019B960494DF}">
-                <a14:hiddenLine xmlns:a14="http://schemas.microsoft.com/office/drawing/2010/main" xmlns="" w="9525">
+                <a14:hiddenLine xmlns="" xmlns:a14="http://schemas.microsoft.com/office/drawing/2010/main" w="9525">
                   <a:solidFill>
                     <a:srgbClr val="000000"/>
                   </a:solidFill>
@@ -697,7 +697,7 @@
             </a:ln>
             <a:extLst>
               <a:ext uri="{91240B29-F687-4f45-9708-019B960494DF}">
-                <a14:hiddenLine xmlns:a14="http://schemas.microsoft.com/office/drawing/2010/main" xmlns="" w="9525">
+                <a14:hiddenLine xmlns="" xmlns:a14="http://schemas.microsoft.com/office/drawing/2010/main" w="9525">
                   <a:solidFill>
                     <a:srgbClr val="000000"/>
                   </a:solidFill>
@@ -787,7 +787,7 @@
             </a:ln>
             <a:extLst>
               <a:ext uri="{91240B29-F687-4f45-9708-019B960494DF}">
-                <a14:hiddenLine xmlns:a14="http://schemas.microsoft.com/office/drawing/2010/main" xmlns="" w="9525">
+                <a14:hiddenLine xmlns="" xmlns:a14="http://schemas.microsoft.com/office/drawing/2010/main" w="9525">
                   <a:solidFill>
                     <a:srgbClr val="000000"/>
                   </a:solidFill>
@@ -849,7 +849,7 @@
             </a:ln>
             <a:extLst>
               <a:ext uri="{91240B29-F687-4f45-9708-019B960494DF}">
-                <a14:hiddenLine xmlns:a14="http://schemas.microsoft.com/office/drawing/2010/main" xmlns="" w="9525">
+                <a14:hiddenLine xmlns="" xmlns:a14="http://schemas.microsoft.com/office/drawing/2010/main" w="9525">
                   <a:solidFill>
                     <a:srgbClr val="000000"/>
                   </a:solidFill>
@@ -911,7 +911,7 @@
             </a:ln>
             <a:extLst>
               <a:ext uri="{91240B29-F687-4f45-9708-019B960494DF}">
-                <a14:hiddenLine xmlns:a14="http://schemas.microsoft.com/office/drawing/2010/main" xmlns="" w="9525">
+                <a14:hiddenLine xmlns="" xmlns:a14="http://schemas.microsoft.com/office/drawing/2010/main" w="9525">
                   <a:solidFill>
                     <a:srgbClr val="000000"/>
                   </a:solidFill>
@@ -1001,7 +1001,7 @@
             </a:ln>
             <a:extLst>
               <a:ext uri="{91240B29-F687-4f45-9708-019B960494DF}">
-                <a14:hiddenLine xmlns:a14="http://schemas.microsoft.com/office/drawing/2010/main" xmlns="" w="9525">
+                <a14:hiddenLine xmlns="" xmlns:a14="http://schemas.microsoft.com/office/drawing/2010/main" w="9525">
                   <a:solidFill>
                     <a:srgbClr val="000000"/>
                   </a:solidFill>
@@ -1091,7 +1091,7 @@
             </a:ln>
             <a:extLst>
               <a:ext uri="{91240B29-F687-4f45-9708-019B960494DF}">
-                <a14:hiddenLine xmlns:a14="http://schemas.microsoft.com/office/drawing/2010/main" xmlns="" w="9525">
+                <a14:hiddenLine xmlns="" xmlns:a14="http://schemas.microsoft.com/office/drawing/2010/main" w="9525">
                   <a:solidFill>
                     <a:srgbClr val="000000"/>
                   </a:solidFill>
@@ -1153,7 +1153,7 @@
             </a:ln>
             <a:extLst>
               <a:ext uri="{91240B29-F687-4f45-9708-019B960494DF}">
-                <a14:hiddenLine xmlns:a14="http://schemas.microsoft.com/office/drawing/2010/main" xmlns="" w="9525">
+                <a14:hiddenLine xmlns="" xmlns:a14="http://schemas.microsoft.com/office/drawing/2010/main" w="9525">
                   <a:solidFill>
                     <a:srgbClr val="000000"/>
                   </a:solidFill>
@@ -1263,7 +1263,7 @@
             </a:ln>
             <a:extLst>
               <a:ext uri="{91240B29-F687-4f45-9708-019B960494DF}">
-                <a14:hiddenLine xmlns:a14="http://schemas.microsoft.com/office/drawing/2010/main" xmlns="" w="9525">
+                <a14:hiddenLine xmlns="" xmlns:a14="http://schemas.microsoft.com/office/drawing/2010/main" w="9525">
                   <a:solidFill>
                     <a:srgbClr val="000000"/>
                   </a:solidFill>
@@ -1325,7 +1325,7 @@
             </a:ln>
             <a:extLst>
               <a:ext uri="{91240B29-F687-4f45-9708-019B960494DF}">
-                <a14:hiddenLine xmlns:a14="http://schemas.microsoft.com/office/drawing/2010/main" xmlns="" w="9525">
+                <a14:hiddenLine xmlns="" xmlns:a14="http://schemas.microsoft.com/office/drawing/2010/main" w="9525">
                   <a:solidFill>
                     <a:srgbClr val="000000"/>
                   </a:solidFill>
@@ -1415,7 +1415,7 @@
             </a:ln>
             <a:extLst>
               <a:ext uri="{91240B29-F687-4f45-9708-019B960494DF}">
-                <a14:hiddenLine xmlns:a14="http://schemas.microsoft.com/office/drawing/2010/main" xmlns="" w="9525">
+                <a14:hiddenLine xmlns="" xmlns:a14="http://schemas.microsoft.com/office/drawing/2010/main" w="9525">
                   <a:solidFill>
                     <a:srgbClr val="000000"/>
                   </a:solidFill>
@@ -1505,7 +1505,7 @@
             </a:ln>
             <a:extLst>
               <a:ext uri="{91240B29-F687-4f45-9708-019B960494DF}">
-                <a14:hiddenLine xmlns:a14="http://schemas.microsoft.com/office/drawing/2010/main" xmlns="" w="9525">
+                <a14:hiddenLine xmlns="" xmlns:a14="http://schemas.microsoft.com/office/drawing/2010/main" w="9525">
                   <a:solidFill>
                     <a:srgbClr val="000000"/>
                   </a:solidFill>
@@ -1567,7 +1567,7 @@
             </a:ln>
             <a:extLst>
               <a:ext uri="{91240B29-F687-4f45-9708-019B960494DF}">
-                <a14:hiddenLine xmlns:a14="http://schemas.microsoft.com/office/drawing/2010/main" xmlns="" w="9525">
+                <a14:hiddenLine xmlns="" xmlns:a14="http://schemas.microsoft.com/office/drawing/2010/main" w="9525">
                   <a:solidFill>
                     <a:srgbClr val="000000"/>
                   </a:solidFill>
@@ -1657,7 +1657,7 @@
             </a:ln>
             <a:extLst>
               <a:ext uri="{91240B29-F687-4f45-9708-019B960494DF}">
-                <a14:hiddenLine xmlns:a14="http://schemas.microsoft.com/office/drawing/2010/main" xmlns="" w="9525">
+                <a14:hiddenLine xmlns="" xmlns:a14="http://schemas.microsoft.com/office/drawing/2010/main" w="9525">
                   <a:solidFill>
                     <a:srgbClr val="000000"/>
                   </a:solidFill>
@@ -1747,7 +1747,7 @@
             </a:ln>
             <a:extLst>
               <a:ext uri="{91240B29-F687-4f45-9708-019B960494DF}">
-                <a14:hiddenLine xmlns:a14="http://schemas.microsoft.com/office/drawing/2010/main" xmlns="" w="9525">
+                <a14:hiddenLine xmlns="" xmlns:a14="http://schemas.microsoft.com/office/drawing/2010/main" w="9525">
                   <a:solidFill>
                     <a:srgbClr val="000000"/>
                   </a:solidFill>
@@ -1803,7 +1803,7 @@
             </a:ln>
             <a:extLst>
               <a:ext uri="{91240B29-F687-4f45-9708-019B960494DF}">
-                <a14:hiddenLine xmlns:a14="http://schemas.microsoft.com/office/drawing/2010/main" xmlns="" w="9525">
+                <a14:hiddenLine xmlns="" xmlns:a14="http://schemas.microsoft.com/office/drawing/2010/main" w="9525">
                   <a:solidFill>
                     <a:srgbClr val="000000"/>
                   </a:solidFill>
@@ -1893,7 +1893,7 @@
             </a:ln>
             <a:extLst>
               <a:ext uri="{91240B29-F687-4f45-9708-019B960494DF}">
-                <a14:hiddenLine xmlns:a14="http://schemas.microsoft.com/office/drawing/2010/main" xmlns="" w="9525">
+                <a14:hiddenLine xmlns="" xmlns:a14="http://schemas.microsoft.com/office/drawing/2010/main" w="9525">
                   <a:solidFill>
                     <a:srgbClr val="000000"/>
                   </a:solidFill>
@@ -1949,7 +1949,7 @@
             </a:ln>
             <a:extLst>
               <a:ext uri="{91240B29-F687-4f45-9708-019B960494DF}">
-                <a14:hiddenLine xmlns:a14="http://schemas.microsoft.com/office/drawing/2010/main" xmlns="" w="9525">
+                <a14:hiddenLine xmlns="" xmlns:a14="http://schemas.microsoft.com/office/drawing/2010/main" w="9525">
                   <a:solidFill>
                     <a:srgbClr val="000000"/>
                   </a:solidFill>
@@ -2039,7 +2039,7 @@
             </a:ln>
             <a:extLst>
               <a:ext uri="{91240B29-F687-4f45-9708-019B960494DF}">
-                <a14:hiddenLine xmlns:a14="http://schemas.microsoft.com/office/drawing/2010/main" xmlns="" w="9525">
+                <a14:hiddenLine xmlns="" xmlns:a14="http://schemas.microsoft.com/office/drawing/2010/main" w="9525">
                   <a:solidFill>
                     <a:srgbClr val="000000"/>
                   </a:solidFill>
@@ -2107,7 +2107,7 @@
             </a:ln>
             <a:extLst>
               <a:ext uri="{91240B29-F687-4f45-9708-019B960494DF}">
-                <a14:hiddenLine xmlns:a14="http://schemas.microsoft.com/office/drawing/2010/main" xmlns="" w="9525">
+                <a14:hiddenLine xmlns="" xmlns:a14="http://schemas.microsoft.com/office/drawing/2010/main" w="9525">
                   <a:solidFill>
                     <a:srgbClr val="000000"/>
                   </a:solidFill>
@@ -2197,7 +2197,7 @@
             </a:ln>
             <a:extLst>
               <a:ext uri="{91240B29-F687-4f45-9708-019B960494DF}">
-                <a14:hiddenLine xmlns:a14="http://schemas.microsoft.com/office/drawing/2010/main" xmlns="" w="9525">
+                <a14:hiddenLine xmlns="" xmlns:a14="http://schemas.microsoft.com/office/drawing/2010/main" w="9525">
                   <a:solidFill>
                     <a:srgbClr val="000000"/>
                   </a:solidFill>
@@ -2265,7 +2265,7 @@
             </a:ln>
             <a:extLst>
               <a:ext uri="{91240B29-F687-4f45-9708-019B960494DF}">
-                <a14:hiddenLine xmlns:a14="http://schemas.microsoft.com/office/drawing/2010/main" xmlns="" w="9525">
+                <a14:hiddenLine xmlns="" xmlns:a14="http://schemas.microsoft.com/office/drawing/2010/main" w="9525">
                   <a:solidFill>
                     <a:srgbClr val="000000"/>
                   </a:solidFill>
@@ -2355,7 +2355,7 @@
             </a:ln>
             <a:extLst>
               <a:ext uri="{91240B29-F687-4f45-9708-019B960494DF}">
-                <a14:hiddenLine xmlns:a14="http://schemas.microsoft.com/office/drawing/2010/main" xmlns="" w="9525">
+                <a14:hiddenLine xmlns="" xmlns:a14="http://schemas.microsoft.com/office/drawing/2010/main" w="9525">
                   <a:solidFill>
                     <a:srgbClr val="000000"/>
                   </a:solidFill>
@@ -2389,7 +2389,7 @@
             </a:ln>
             <a:extLst>
               <a:ext uri="{91240B29-F687-4f45-9708-019B960494DF}">
-                <a14:hiddenLine xmlns:a14="http://schemas.microsoft.com/office/drawing/2010/main" xmlns="" w="9525">
+                <a14:hiddenLine xmlns="" xmlns:a14="http://schemas.microsoft.com/office/drawing/2010/main" w="9525">
                   <a:solidFill>
                     <a:srgbClr val="000000"/>
                   </a:solidFill>
@@ -2479,7 +2479,7 @@
             </a:ln>
             <a:extLst>
               <a:ext uri="{91240B29-F687-4f45-9708-019B960494DF}">
-                <a14:hiddenLine xmlns:a14="http://schemas.microsoft.com/office/drawing/2010/main" xmlns="" w="9525">
+                <a14:hiddenLine xmlns="" xmlns:a14="http://schemas.microsoft.com/office/drawing/2010/main" w="9525">
                   <a:solidFill>
                     <a:srgbClr val="000000"/>
                   </a:solidFill>
@@ -2541,7 +2541,7 @@
             </a:ln>
             <a:extLst>
               <a:ext uri="{91240B29-F687-4f45-9708-019B960494DF}">
-                <a14:hiddenLine xmlns:a14="http://schemas.microsoft.com/office/drawing/2010/main" xmlns="" w="9525">
+                <a14:hiddenLine xmlns="" xmlns:a14="http://schemas.microsoft.com/office/drawing/2010/main" w="9525">
                   <a:solidFill>
                     <a:srgbClr val="000000"/>
                   </a:solidFill>
@@ -2603,7 +2603,7 @@
             </a:ln>
             <a:extLst>
               <a:ext uri="{91240B29-F687-4f45-9708-019B960494DF}">
-                <a14:hiddenLine xmlns:a14="http://schemas.microsoft.com/office/drawing/2010/main" xmlns="" w="9525">
+                <a14:hiddenLine xmlns="" xmlns:a14="http://schemas.microsoft.com/office/drawing/2010/main" w="9525">
                   <a:solidFill>
                     <a:srgbClr val="000000"/>
                   </a:solidFill>
@@ -2693,7 +2693,7 @@
             </a:ln>
             <a:extLst>
               <a:ext uri="{91240B29-F687-4f45-9708-019B960494DF}">
-                <a14:hiddenLine xmlns:a14="http://schemas.microsoft.com/office/drawing/2010/main" xmlns="" w="9525">
+                <a14:hiddenLine xmlns="" xmlns:a14="http://schemas.microsoft.com/office/drawing/2010/main" w="9525">
                   <a:solidFill>
                     <a:srgbClr val="000000"/>
                   </a:solidFill>
@@ -2761,7 +2761,7 @@
             </a:ln>
             <a:extLst>
               <a:ext uri="{91240B29-F687-4f45-9708-019B960494DF}">
-                <a14:hiddenLine xmlns:a14="http://schemas.microsoft.com/office/drawing/2010/main" xmlns="" w="9525">
+                <a14:hiddenLine xmlns="" xmlns:a14="http://schemas.microsoft.com/office/drawing/2010/main" w="9525">
                   <a:solidFill>
                     <a:srgbClr val="000000"/>
                   </a:solidFill>
@@ -2823,7 +2823,7 @@
             </a:ln>
             <a:extLst>
               <a:ext uri="{91240B29-F687-4f45-9708-019B960494DF}">
-                <a14:hiddenLine xmlns:a14="http://schemas.microsoft.com/office/drawing/2010/main" xmlns="" w="9525">
+                <a14:hiddenLine xmlns="" xmlns:a14="http://schemas.microsoft.com/office/drawing/2010/main" w="9525">
                   <a:solidFill>
                     <a:srgbClr val="000000"/>
                   </a:solidFill>
@@ -2913,7 +2913,7 @@
             </a:ln>
             <a:extLst>
               <a:ext uri="{91240B29-F687-4f45-9708-019B960494DF}">
-                <a14:hiddenLine xmlns:a14="http://schemas.microsoft.com/office/drawing/2010/main" xmlns="" w="9525">
+                <a14:hiddenLine xmlns="" xmlns:a14="http://schemas.microsoft.com/office/drawing/2010/main" w="9525">
                   <a:solidFill>
                     <a:srgbClr val="000000"/>
                   </a:solidFill>
@@ -2975,7 +2975,7 @@
             </a:ln>
             <a:extLst>
               <a:ext uri="{91240B29-F687-4f45-9708-019B960494DF}">
-                <a14:hiddenLine xmlns:a14="http://schemas.microsoft.com/office/drawing/2010/main" xmlns="" w="9525">
+                <a14:hiddenLine xmlns="" xmlns:a14="http://schemas.microsoft.com/office/drawing/2010/main" w="9525">
                   <a:solidFill>
                     <a:srgbClr val="000000"/>
                   </a:solidFill>
@@ -3065,7 +3065,7 @@
             </a:ln>
             <a:extLst>
               <a:ext uri="{91240B29-F687-4f45-9708-019B960494DF}">
-                <a14:hiddenLine xmlns:a14="http://schemas.microsoft.com/office/drawing/2010/main" xmlns="" w="9525">
+                <a14:hiddenLine xmlns="" xmlns:a14="http://schemas.microsoft.com/office/drawing/2010/main" w="9525">
                   <a:solidFill>
                     <a:srgbClr val="000000"/>
                   </a:solidFill>
@@ -3127,7 +3127,7 @@
             </a:ln>
             <a:extLst>
               <a:ext uri="{91240B29-F687-4f45-9708-019B960494DF}">
-                <a14:hiddenLine xmlns:a14="http://schemas.microsoft.com/office/drawing/2010/main" xmlns="" w="9525">
+                <a14:hiddenLine xmlns="" xmlns:a14="http://schemas.microsoft.com/office/drawing/2010/main" w="9525">
                   <a:solidFill>
                     <a:srgbClr val="000000"/>
                   </a:solidFill>
@@ -3217,7 +3217,7 @@
             </a:ln>
             <a:extLst>
               <a:ext uri="{91240B29-F687-4f45-9708-019B960494DF}">
-                <a14:hiddenLine xmlns:a14="http://schemas.microsoft.com/office/drawing/2010/main" xmlns="" w="9525">
+                <a14:hiddenLine xmlns="" xmlns:a14="http://schemas.microsoft.com/office/drawing/2010/main" w="9525">
                   <a:solidFill>
                     <a:srgbClr val="000000"/>
                   </a:solidFill>
@@ -3251,7 +3251,7 @@
             </a:ln>
             <a:extLst>
               <a:ext uri="{91240B29-F687-4f45-9708-019B960494DF}">
-                <a14:hiddenLine xmlns:a14="http://schemas.microsoft.com/office/drawing/2010/main" xmlns="" w="9525">
+                <a14:hiddenLine xmlns="" xmlns:a14="http://schemas.microsoft.com/office/drawing/2010/main" w="9525">
                   <a:solidFill>
                     <a:srgbClr val="000000"/>
                   </a:solidFill>
@@ -3316,7 +3316,7 @@
             </a:ln>
             <a:extLst>
               <a:ext uri="{91240B29-F687-4f45-9708-019B960494DF}">
-                <a14:hiddenLine xmlns:a14="http://schemas.microsoft.com/office/drawing/2010/main" xmlns="" w="9525">
+                <a14:hiddenLine xmlns="" xmlns:a14="http://schemas.microsoft.com/office/drawing/2010/main" w="9525">
                   <a:solidFill>
                     <a:srgbClr val="000000"/>
                   </a:solidFill>
@@ -3406,7 +3406,7 @@
             </a:ln>
             <a:extLst>
               <a:ext uri="{91240B29-F687-4f45-9708-019B960494DF}">
-                <a14:hiddenLine xmlns:a14="http://schemas.microsoft.com/office/drawing/2010/main" xmlns="" w="9525">
+                <a14:hiddenLine xmlns="" xmlns:a14="http://schemas.microsoft.com/office/drawing/2010/main" w="9525">
                   <a:solidFill>
                     <a:srgbClr val="000000"/>
                   </a:solidFill>
@@ -3468,7 +3468,7 @@
             </a:ln>
             <a:extLst>
               <a:ext uri="{91240B29-F687-4f45-9708-019B960494DF}">
-                <a14:hiddenLine xmlns:a14="http://schemas.microsoft.com/office/drawing/2010/main" xmlns="" w="9525">
+                <a14:hiddenLine xmlns="" xmlns:a14="http://schemas.microsoft.com/office/drawing/2010/main" w="9525">
                   <a:solidFill>
                     <a:srgbClr val="000000"/>
                   </a:solidFill>
@@ -3558,7 +3558,7 @@
             </a:ln>
             <a:extLst>
               <a:ext uri="{91240B29-F687-4f45-9708-019B960494DF}">
-                <a14:hiddenLine xmlns:a14="http://schemas.microsoft.com/office/drawing/2010/main" xmlns="" w="9525">
+                <a14:hiddenLine xmlns="" xmlns:a14="http://schemas.microsoft.com/office/drawing/2010/main" w="9525">
                   <a:solidFill>
                     <a:srgbClr val="000000"/>
                   </a:solidFill>
@@ -3648,7 +3648,7 @@
             </a:ln>
             <a:extLst>
               <a:ext uri="{91240B29-F687-4f45-9708-019B960494DF}">
-                <a14:hiddenLine xmlns:a14="http://schemas.microsoft.com/office/drawing/2010/main" xmlns="" w="9525">
+                <a14:hiddenLine xmlns="" xmlns:a14="http://schemas.microsoft.com/office/drawing/2010/main" w="9525">
                   <a:solidFill>
                     <a:srgbClr val="000000"/>
                   </a:solidFill>
@@ -3713,7 +3713,7 @@
             </a:ln>
             <a:extLst>
               <a:ext uri="{91240B29-F687-4f45-9708-019B960494DF}">
-                <a14:hiddenLine xmlns:a14="http://schemas.microsoft.com/office/drawing/2010/main" xmlns="" w="9525">
+                <a14:hiddenLine xmlns="" xmlns:a14="http://schemas.microsoft.com/office/drawing/2010/main" w="9525">
                   <a:solidFill>
                     <a:srgbClr val="000000"/>
                   </a:solidFill>
@@ -3775,7 +3775,7 @@
             </a:ln>
             <a:extLst>
               <a:ext uri="{91240B29-F687-4f45-9708-019B960494DF}">
-                <a14:hiddenLine xmlns:a14="http://schemas.microsoft.com/office/drawing/2010/main" xmlns="" w="9525">
+                <a14:hiddenLine xmlns="" xmlns:a14="http://schemas.microsoft.com/office/drawing/2010/main" w="9525">
                   <a:solidFill>
                     <a:srgbClr val="000000"/>
                   </a:solidFill>
@@ -3865,7 +3865,7 @@
             </a:ln>
             <a:extLst>
               <a:ext uri="{91240B29-F687-4f45-9708-019B960494DF}">
-                <a14:hiddenLine xmlns:a14="http://schemas.microsoft.com/office/drawing/2010/main" xmlns="" w="9525">
+                <a14:hiddenLine xmlns="" xmlns:a14="http://schemas.microsoft.com/office/drawing/2010/main" w="9525">
                   <a:solidFill>
                     <a:srgbClr val="000000"/>
                   </a:solidFill>
@@ -3955,7 +3955,7 @@
             </a:ln>
             <a:extLst>
               <a:ext uri="{91240B29-F687-4f45-9708-019B960494DF}">
-                <a14:hiddenLine xmlns:a14="http://schemas.microsoft.com/office/drawing/2010/main" xmlns="" w="9525">
+                <a14:hiddenLine xmlns="" xmlns:a14="http://schemas.microsoft.com/office/drawing/2010/main" w="9525">
                   <a:solidFill>
                     <a:srgbClr val="000000"/>
                   </a:solidFill>
@@ -4017,7 +4017,7 @@
             </a:ln>
             <a:extLst>
               <a:ext uri="{91240B29-F687-4f45-9708-019B960494DF}">
-                <a14:hiddenLine xmlns:a14="http://schemas.microsoft.com/office/drawing/2010/main" xmlns="" w="9525">
+                <a14:hiddenLine xmlns="" xmlns:a14="http://schemas.microsoft.com/office/drawing/2010/main" w="9525">
                   <a:solidFill>
                     <a:srgbClr val="000000"/>
                   </a:solidFill>
@@ -4137,7 +4137,7 @@
             </a:ln>
             <a:extLst>
               <a:ext uri="{91240B29-F687-4f45-9708-019B960494DF}">
-                <a14:hiddenLine xmlns:a14="http://schemas.microsoft.com/office/drawing/2010/main" xmlns="" w="9525">
+                <a14:hiddenLine xmlns="" xmlns:a14="http://schemas.microsoft.com/office/drawing/2010/main" w="9525">
                   <a:solidFill>
                     <a:srgbClr val="000000"/>
                   </a:solidFill>
@@ -4205,7 +4205,7 @@
             </a:ln>
             <a:extLst>
               <a:ext uri="{91240B29-F687-4f45-9708-019B960494DF}">
-                <a14:hiddenLine xmlns:a14="http://schemas.microsoft.com/office/drawing/2010/main" xmlns="" w="9525">
+                <a14:hiddenLine xmlns="" xmlns:a14="http://schemas.microsoft.com/office/drawing/2010/main" w="9525">
                   <a:solidFill>
                     <a:srgbClr val="000000"/>
                   </a:solidFill>
@@ -4295,7 +4295,7 @@
             </a:ln>
             <a:extLst>
               <a:ext uri="{91240B29-F687-4f45-9708-019B960494DF}">
-                <a14:hiddenLine xmlns:a14="http://schemas.microsoft.com/office/drawing/2010/main" xmlns="" w="9525">
+                <a14:hiddenLine xmlns="" xmlns:a14="http://schemas.microsoft.com/office/drawing/2010/main" w="9525">
                   <a:solidFill>
                     <a:srgbClr val="000000"/>
                   </a:solidFill>
@@ -4435,7 +4435,7 @@
           <a:p>
             <a:fld id="{48A87A34-81AB-432B-8DAE-1953F412C126}" type="datetimeFigureOut">
               <a:rPr lang="en-US" dirty="0"/>
-              <a:t>9/14/2021</a:t>
+              <a:t>9/16/2021</a:t>
             </a:fld>
             <a:endParaRPr lang="en-US" dirty="0"/>
           </a:p>
@@ -4697,7 +4697,7 @@
           <a:p>
             <a:fld id="{48A87A34-81AB-432B-8DAE-1953F412C126}" type="datetimeFigureOut">
               <a:rPr lang="en-US" dirty="0"/>
-              <a:t>9/14/2021</a:t>
+              <a:t>9/16/2021</a:t>
             </a:fld>
             <a:endParaRPr lang="en-US" dirty="0"/>
           </a:p>
@@ -4888,7 +4888,7 @@
           <a:p>
             <a:fld id="{48A87A34-81AB-432B-8DAE-1953F412C126}" type="datetimeFigureOut">
               <a:rPr lang="en-US" dirty="0"/>
-              <a:t>9/14/2021</a:t>
+              <a:t>9/16/2021</a:t>
             </a:fld>
             <a:endParaRPr lang="en-US" dirty="0"/>
           </a:p>
@@ -5146,7 +5146,7 @@
           <a:p>
             <a:fld id="{48A87A34-81AB-432B-8DAE-1953F412C126}" type="datetimeFigureOut">
               <a:rPr lang="en-US" dirty="0"/>
-              <a:t>9/14/2021</a:t>
+              <a:t>9/16/2021</a:t>
             </a:fld>
             <a:endParaRPr lang="en-US" dirty="0"/>
           </a:p>
@@ -5575,7 +5575,7 @@
           <a:p>
             <a:fld id="{48A87A34-81AB-432B-8DAE-1953F412C126}" type="datetimeFigureOut">
               <a:rPr lang="en-US" dirty="0"/>
-              <a:t>9/14/2021</a:t>
+              <a:t>9/16/2021</a:t>
             </a:fld>
             <a:endParaRPr lang="en-US" dirty="0"/>
           </a:p>
@@ -6116,7 +6116,7 @@
           <a:p>
             <a:fld id="{48A87A34-81AB-432B-8DAE-1953F412C126}" type="datetimeFigureOut">
               <a:rPr lang="en-US" dirty="0"/>
-              <a:t>9/14/2021</a:t>
+              <a:t>9/16/2021</a:t>
             </a:fld>
             <a:endParaRPr lang="en-US" dirty="0"/>
           </a:p>
@@ -6831,7 +6831,7 @@
           <a:p>
             <a:fld id="{48A87A34-81AB-432B-8DAE-1953F412C126}" type="datetimeFigureOut">
               <a:rPr lang="en-US" dirty="0"/>
-              <a:t>9/14/2021</a:t>
+              <a:t>9/16/2021</a:t>
             </a:fld>
             <a:endParaRPr lang="en-US" dirty="0"/>
           </a:p>
@@ -6996,7 +6996,7 @@
           <a:p>
             <a:fld id="{48A87A34-81AB-432B-8DAE-1953F412C126}" type="datetimeFigureOut">
               <a:rPr lang="en-US" dirty="0"/>
-              <a:t>9/14/2021</a:t>
+              <a:t>9/16/2021</a:t>
             </a:fld>
             <a:endParaRPr lang="en-US" dirty="0"/>
           </a:p>
@@ -7171,7 +7171,7 @@
           <a:p>
             <a:fld id="{48A87A34-81AB-432B-8DAE-1953F412C126}" type="datetimeFigureOut">
               <a:rPr lang="en-US" dirty="0"/>
-              <a:t>9/14/2021</a:t>
+              <a:t>9/16/2021</a:t>
             </a:fld>
             <a:endParaRPr lang="en-US" dirty="0"/>
           </a:p>
@@ -7336,7 +7336,7 @@
           <a:p>
             <a:fld id="{48A87A34-81AB-432B-8DAE-1953F412C126}" type="datetimeFigureOut">
               <a:rPr lang="en-US" dirty="0"/>
-              <a:t>9/14/2021</a:t>
+              <a:t>9/16/2021</a:t>
             </a:fld>
             <a:endParaRPr lang="en-US" dirty="0"/>
           </a:p>
@@ -7581,7 +7581,7 @@
           <a:p>
             <a:fld id="{48A87A34-81AB-432B-8DAE-1953F412C126}" type="datetimeFigureOut">
               <a:rPr lang="en-US" dirty="0"/>
-              <a:t>9/14/2021</a:t>
+              <a:t>9/16/2021</a:t>
             </a:fld>
             <a:endParaRPr lang="en-US" dirty="0"/>
           </a:p>
@@ -7808,7 +7808,7 @@
           <a:p>
             <a:fld id="{48A87A34-81AB-432B-8DAE-1953F412C126}" type="datetimeFigureOut">
               <a:rPr lang="en-US" dirty="0"/>
-              <a:t>9/14/2021</a:t>
+              <a:t>9/16/2021</a:t>
             </a:fld>
             <a:endParaRPr lang="en-US" dirty="0"/>
           </a:p>
@@ -8184,7 +8184,7 @@
           <a:p>
             <a:fld id="{48A87A34-81AB-432B-8DAE-1953F412C126}" type="datetimeFigureOut">
               <a:rPr lang="en-US" dirty="0"/>
-              <a:t>9/14/2021</a:t>
+              <a:t>9/16/2021</a:t>
             </a:fld>
             <a:endParaRPr lang="en-US" dirty="0"/>
           </a:p>
@@ -8297,7 +8297,7 @@
           <a:p>
             <a:fld id="{48A87A34-81AB-432B-8DAE-1953F412C126}" type="datetimeFigureOut">
               <a:rPr lang="en-US" dirty="0"/>
-              <a:t>9/14/2021</a:t>
+              <a:t>9/16/2021</a:t>
             </a:fld>
             <a:endParaRPr lang="en-US" dirty="0"/>
           </a:p>
@@ -8387,7 +8387,7 @@
           <a:p>
             <a:fld id="{48A87A34-81AB-432B-8DAE-1953F412C126}" type="datetimeFigureOut">
               <a:rPr lang="en-US" dirty="0"/>
-              <a:t>9/14/2021</a:t>
+              <a:t>9/16/2021</a:t>
             </a:fld>
             <a:endParaRPr lang="en-US" dirty="0"/>
           </a:p>
@@ -8631,7 +8631,7 @@
           <a:p>
             <a:fld id="{48A87A34-81AB-432B-8DAE-1953F412C126}" type="datetimeFigureOut">
               <a:rPr lang="en-US" dirty="0"/>
-              <a:t>9/14/2021</a:t>
+              <a:t>9/16/2021</a:t>
             </a:fld>
             <a:endParaRPr lang="en-US" dirty="0"/>
           </a:p>
@@ -8906,7 +8906,7 @@
           <a:p>
             <a:fld id="{48A87A34-81AB-432B-8DAE-1953F412C126}" type="datetimeFigureOut">
               <a:rPr lang="en-US" dirty="0"/>
-              <a:t>9/14/2021</a:t>
+              <a:t>9/16/2021</a:t>
             </a:fld>
             <a:endParaRPr lang="en-US" dirty="0"/>
           </a:p>
@@ -9024,7 +9024,7 @@
           <a:noFill/>
           <a:extLst>
             <a:ext uri="{909E8E84-426E-40dd-AFC4-6F175D3DCCD1}">
-              <a14:hiddenFill xmlns:a14="http://schemas.microsoft.com/office/drawing/2010/main" xmlns="">
+              <a14:hiddenFill xmlns="" xmlns:a14="http://schemas.microsoft.com/office/drawing/2010/main">
                 <a:solidFill>
                   <a:srgbClr val="FFFFFF"/>
                 </a:solidFill>
@@ -9098,7 +9098,7 @@
               </a:ln>
               <a:extLst>
                 <a:ext uri="{91240B29-F687-4f45-9708-019B960494DF}">
-                  <a14:hiddenLine xmlns:a14="http://schemas.microsoft.com/office/drawing/2010/main" xmlns="" w="9525">
+                  <a14:hiddenLine xmlns="" xmlns:a14="http://schemas.microsoft.com/office/drawing/2010/main" w="9525">
                     <a:solidFill>
                       <a:srgbClr val="000000"/>
                     </a:solidFill>
@@ -9188,7 +9188,7 @@
               </a:ln>
               <a:extLst>
                 <a:ext uri="{91240B29-F687-4f45-9708-019B960494DF}">
-                  <a14:hiddenLine xmlns:a14="http://schemas.microsoft.com/office/drawing/2010/main" xmlns="" w="9525">
+                  <a14:hiddenLine xmlns="" xmlns:a14="http://schemas.microsoft.com/office/drawing/2010/main" w="9525">
                     <a:solidFill>
                       <a:srgbClr val="000000"/>
                     </a:solidFill>
@@ -9278,7 +9278,7 @@
               </a:ln>
               <a:extLst>
                 <a:ext uri="{91240B29-F687-4f45-9708-019B960494DF}">
-                  <a14:hiddenLine xmlns:a14="http://schemas.microsoft.com/office/drawing/2010/main" xmlns="" w="9525">
+                  <a14:hiddenLine xmlns="" xmlns:a14="http://schemas.microsoft.com/office/drawing/2010/main" w="9525">
                     <a:solidFill>
                       <a:srgbClr val="000000"/>
                     </a:solidFill>
@@ -9340,7 +9340,7 @@
               </a:ln>
               <a:extLst>
                 <a:ext uri="{91240B29-F687-4f45-9708-019B960494DF}">
-                  <a14:hiddenLine xmlns:a14="http://schemas.microsoft.com/office/drawing/2010/main" xmlns="" w="9525">
+                  <a14:hiddenLine xmlns="" xmlns:a14="http://schemas.microsoft.com/office/drawing/2010/main" w="9525">
                     <a:solidFill>
                       <a:srgbClr val="000000"/>
                     </a:solidFill>
@@ -9430,7 +9430,7 @@
               </a:ln>
               <a:extLst>
                 <a:ext uri="{91240B29-F687-4f45-9708-019B960494DF}">
-                  <a14:hiddenLine xmlns:a14="http://schemas.microsoft.com/office/drawing/2010/main" xmlns="" w="9525">
+                  <a14:hiddenLine xmlns="" xmlns:a14="http://schemas.microsoft.com/office/drawing/2010/main" w="9525">
                     <a:solidFill>
                       <a:srgbClr val="000000"/>
                     </a:solidFill>
@@ -9492,7 +9492,7 @@
               </a:ln>
               <a:extLst>
                 <a:ext uri="{91240B29-F687-4f45-9708-019B960494DF}">
-                  <a14:hiddenLine xmlns:a14="http://schemas.microsoft.com/office/drawing/2010/main" xmlns="" w="9525">
+                  <a14:hiddenLine xmlns="" xmlns:a14="http://schemas.microsoft.com/office/drawing/2010/main" w="9525">
                     <a:solidFill>
                       <a:srgbClr val="000000"/>
                     </a:solidFill>
@@ -9554,7 +9554,7 @@
               </a:ln>
               <a:extLst>
                 <a:ext uri="{91240B29-F687-4f45-9708-019B960494DF}">
-                  <a14:hiddenLine xmlns:a14="http://schemas.microsoft.com/office/drawing/2010/main" xmlns="" w="9525">
+                  <a14:hiddenLine xmlns="" xmlns:a14="http://schemas.microsoft.com/office/drawing/2010/main" w="9525">
                     <a:solidFill>
                       <a:srgbClr val="000000"/>
                     </a:solidFill>
@@ -9644,7 +9644,7 @@
               </a:ln>
               <a:extLst>
                 <a:ext uri="{91240B29-F687-4f45-9708-019B960494DF}">
-                  <a14:hiddenLine xmlns:a14="http://schemas.microsoft.com/office/drawing/2010/main" xmlns="" w="9525">
+                  <a14:hiddenLine xmlns="" xmlns:a14="http://schemas.microsoft.com/office/drawing/2010/main" w="9525">
                     <a:solidFill>
                       <a:srgbClr val="000000"/>
                     </a:solidFill>
@@ -9734,7 +9734,7 @@
               </a:ln>
               <a:extLst>
                 <a:ext uri="{91240B29-F687-4f45-9708-019B960494DF}">
-                  <a14:hiddenLine xmlns:a14="http://schemas.microsoft.com/office/drawing/2010/main" xmlns="" w="9525">
+                  <a14:hiddenLine xmlns="" xmlns:a14="http://schemas.microsoft.com/office/drawing/2010/main" w="9525">
                     <a:solidFill>
                       <a:srgbClr val="000000"/>
                     </a:solidFill>
@@ -9796,7 +9796,7 @@
               </a:ln>
               <a:extLst>
                 <a:ext uri="{91240B29-F687-4f45-9708-019B960494DF}">
-                  <a14:hiddenLine xmlns:a14="http://schemas.microsoft.com/office/drawing/2010/main" xmlns="" w="9525">
+                  <a14:hiddenLine xmlns="" xmlns:a14="http://schemas.microsoft.com/office/drawing/2010/main" w="9525">
                     <a:solidFill>
                       <a:srgbClr val="000000"/>
                     </a:solidFill>
@@ -9906,7 +9906,7 @@
               </a:ln>
               <a:extLst>
                 <a:ext uri="{91240B29-F687-4f45-9708-019B960494DF}">
-                  <a14:hiddenLine xmlns:a14="http://schemas.microsoft.com/office/drawing/2010/main" xmlns="" w="9525">
+                  <a14:hiddenLine xmlns="" xmlns:a14="http://schemas.microsoft.com/office/drawing/2010/main" w="9525">
                     <a:solidFill>
                       <a:srgbClr val="000000"/>
                     </a:solidFill>
@@ -9990,7 +9990,7 @@
               </a:ln>
               <a:extLst>
                 <a:ext uri="{91240B29-F687-4f45-9708-019B960494DF}">
-                  <a14:hiddenLine xmlns:a14="http://schemas.microsoft.com/office/drawing/2010/main" xmlns="" w="9525">
+                  <a14:hiddenLine xmlns="" xmlns:a14="http://schemas.microsoft.com/office/drawing/2010/main" w="9525">
                     <a:solidFill>
                       <a:srgbClr val="000000"/>
                     </a:solidFill>
@@ -10052,7 +10052,7 @@
               </a:ln>
               <a:extLst>
                 <a:ext uri="{91240B29-F687-4f45-9708-019B960494DF}">
-                  <a14:hiddenLine xmlns:a14="http://schemas.microsoft.com/office/drawing/2010/main" xmlns="" w="9525">
+                  <a14:hiddenLine xmlns="" xmlns:a14="http://schemas.microsoft.com/office/drawing/2010/main" w="9525">
                     <a:solidFill>
                       <a:srgbClr val="000000"/>
                     </a:solidFill>
@@ -10114,7 +10114,7 @@
               </a:ln>
               <a:extLst>
                 <a:ext uri="{91240B29-F687-4f45-9708-019B960494DF}">
-                  <a14:hiddenLine xmlns:a14="http://schemas.microsoft.com/office/drawing/2010/main" xmlns="" w="9525">
+                  <a14:hiddenLine xmlns="" xmlns:a14="http://schemas.microsoft.com/office/drawing/2010/main" w="9525">
                     <a:solidFill>
                       <a:srgbClr val="000000"/>
                     </a:solidFill>
@@ -10204,7 +10204,7 @@
               </a:ln>
               <a:extLst>
                 <a:ext uri="{91240B29-F687-4f45-9708-019B960494DF}">
-                  <a14:hiddenLine xmlns:a14="http://schemas.microsoft.com/office/drawing/2010/main" xmlns="" w="9525">
+                  <a14:hiddenLine xmlns="" xmlns:a14="http://schemas.microsoft.com/office/drawing/2010/main" w="9525">
                     <a:solidFill>
                       <a:srgbClr val="000000"/>
                     </a:solidFill>
@@ -10238,7 +10238,7 @@
               </a:ln>
               <a:extLst>
                 <a:ext uri="{91240B29-F687-4f45-9708-019B960494DF}">
-                  <a14:hiddenLine xmlns:a14="http://schemas.microsoft.com/office/drawing/2010/main" xmlns="" w="9525">
+                  <a14:hiddenLine xmlns="" xmlns:a14="http://schemas.microsoft.com/office/drawing/2010/main" w="9525">
                     <a:solidFill>
                       <a:srgbClr val="000000"/>
                     </a:solidFill>
@@ -10303,7 +10303,7 @@
               </a:ln>
               <a:extLst>
                 <a:ext uri="{91240B29-F687-4f45-9708-019B960494DF}">
-                  <a14:hiddenLine xmlns:a14="http://schemas.microsoft.com/office/drawing/2010/main" xmlns="" w="9525">
+                  <a14:hiddenLine xmlns="" xmlns:a14="http://schemas.microsoft.com/office/drawing/2010/main" w="9525">
                     <a:solidFill>
                       <a:srgbClr val="000000"/>
                     </a:solidFill>
@@ -10393,7 +10393,7 @@
               </a:ln>
               <a:extLst>
                 <a:ext uri="{91240B29-F687-4f45-9708-019B960494DF}">
-                  <a14:hiddenLine xmlns:a14="http://schemas.microsoft.com/office/drawing/2010/main" xmlns="" w="9525">
+                  <a14:hiddenLine xmlns="" xmlns:a14="http://schemas.microsoft.com/office/drawing/2010/main" w="9525">
                     <a:solidFill>
                       <a:srgbClr val="000000"/>
                     </a:solidFill>
@@ -10455,7 +10455,7 @@
               </a:ln>
               <a:extLst>
                 <a:ext uri="{91240B29-F687-4f45-9708-019B960494DF}">
-                  <a14:hiddenLine xmlns:a14="http://schemas.microsoft.com/office/drawing/2010/main" xmlns="" w="9525">
+                  <a14:hiddenLine xmlns="" xmlns:a14="http://schemas.microsoft.com/office/drawing/2010/main" w="9525">
                     <a:solidFill>
                       <a:srgbClr val="000000"/>
                     </a:solidFill>
@@ -10545,7 +10545,7 @@
               </a:ln>
               <a:extLst>
                 <a:ext uri="{91240B29-F687-4f45-9708-019B960494DF}">
-                  <a14:hiddenLine xmlns:a14="http://schemas.microsoft.com/office/drawing/2010/main" xmlns="" w="9525">
+                  <a14:hiddenLine xmlns="" xmlns:a14="http://schemas.microsoft.com/office/drawing/2010/main" w="9525">
                     <a:solidFill>
                       <a:srgbClr val="000000"/>
                     </a:solidFill>
@@ -10610,7 +10610,7 @@
               </a:ln>
               <a:extLst>
                 <a:ext uri="{91240B29-F687-4f45-9708-019B960494DF}">
-                  <a14:hiddenLine xmlns:a14="http://schemas.microsoft.com/office/drawing/2010/main" xmlns="" w="9525">
+                  <a14:hiddenLine xmlns="" xmlns:a14="http://schemas.microsoft.com/office/drawing/2010/main" w="9525">
                     <a:solidFill>
                       <a:srgbClr val="000000"/>
                     </a:solidFill>
@@ -10672,7 +10672,7 @@
               </a:ln>
               <a:extLst>
                 <a:ext uri="{91240B29-F687-4f45-9708-019B960494DF}">
-                  <a14:hiddenLine xmlns:a14="http://schemas.microsoft.com/office/drawing/2010/main" xmlns="" w="9525">
+                  <a14:hiddenLine xmlns="" xmlns:a14="http://schemas.microsoft.com/office/drawing/2010/main" w="9525">
                     <a:solidFill>
                       <a:srgbClr val="000000"/>
                     </a:solidFill>
@@ -10762,7 +10762,7 @@
               </a:ln>
               <a:extLst>
                 <a:ext uri="{91240B29-F687-4f45-9708-019B960494DF}">
-                  <a14:hiddenLine xmlns:a14="http://schemas.microsoft.com/office/drawing/2010/main" xmlns="" w="9525">
+                  <a14:hiddenLine xmlns="" xmlns:a14="http://schemas.microsoft.com/office/drawing/2010/main" w="9525">
                     <a:solidFill>
                       <a:srgbClr val="000000"/>
                     </a:solidFill>
@@ -10852,7 +10852,7 @@
               </a:ln>
               <a:extLst>
                 <a:ext uri="{91240B29-F687-4f45-9708-019B960494DF}">
-                  <a14:hiddenLine xmlns:a14="http://schemas.microsoft.com/office/drawing/2010/main" xmlns="" w="9525">
+                  <a14:hiddenLine xmlns="" xmlns:a14="http://schemas.microsoft.com/office/drawing/2010/main" w="9525">
                     <a:solidFill>
                       <a:srgbClr val="000000"/>
                     </a:solidFill>
@@ -10917,7 +10917,7 @@
               </a:ln>
               <a:extLst>
                 <a:ext uri="{91240B29-F687-4f45-9708-019B960494DF}">
-                  <a14:hiddenLine xmlns:a14="http://schemas.microsoft.com/office/drawing/2010/main" xmlns="" w="9525">
+                  <a14:hiddenLine xmlns="" xmlns:a14="http://schemas.microsoft.com/office/drawing/2010/main" w="9525">
                     <a:solidFill>
                       <a:srgbClr val="000000"/>
                     </a:solidFill>
@@ -11037,7 +11037,7 @@
               </a:ln>
               <a:extLst>
                 <a:ext uri="{91240B29-F687-4f45-9708-019B960494DF}">
-                  <a14:hiddenLine xmlns:a14="http://schemas.microsoft.com/office/drawing/2010/main" xmlns="" w="9525">
+                  <a14:hiddenLine xmlns="" xmlns:a14="http://schemas.microsoft.com/office/drawing/2010/main" w="9525">
                     <a:solidFill>
                       <a:srgbClr val="000000"/>
                     </a:solidFill>
@@ -11118,7 +11118,7 @@
               </a:ln>
               <a:extLst>
                 <a:ext uri="{91240B29-F687-4f45-9708-019B960494DF}">
-                  <a14:hiddenLine xmlns:a14="http://schemas.microsoft.com/office/drawing/2010/main" xmlns="" w="9525">
+                  <a14:hiddenLine xmlns="" xmlns:a14="http://schemas.microsoft.com/office/drawing/2010/main" w="9525">
                     <a:solidFill>
                       <a:srgbClr val="000000"/>
                     </a:solidFill>
@@ -11233,7 +11233,7 @@
               </a:ln>
               <a:extLst>
                 <a:ext uri="{91240B29-F687-4f45-9708-019B960494DF}">
-                  <a14:hiddenLine xmlns:a14="http://schemas.microsoft.com/office/drawing/2010/main" xmlns="" w="9525">
+                  <a14:hiddenLine xmlns="" xmlns:a14="http://schemas.microsoft.com/office/drawing/2010/main" w="9525">
                     <a:solidFill>
                       <a:srgbClr val="000000"/>
                     </a:solidFill>
@@ -11323,7 +11323,7 @@
               </a:ln>
               <a:extLst>
                 <a:ext uri="{91240B29-F687-4f45-9708-019B960494DF}">
-                  <a14:hiddenLine xmlns:a14="http://schemas.microsoft.com/office/drawing/2010/main" xmlns="" w="9525">
+                  <a14:hiddenLine xmlns="" xmlns:a14="http://schemas.microsoft.com/office/drawing/2010/main" w="9525">
                     <a:solidFill>
                       <a:srgbClr val="000000"/>
                     </a:solidFill>
@@ -11388,7 +11388,7 @@
               </a:ln>
               <a:extLst>
                 <a:ext uri="{91240B29-F687-4f45-9708-019B960494DF}">
-                  <a14:hiddenLine xmlns:a14="http://schemas.microsoft.com/office/drawing/2010/main" xmlns="" w="9525">
+                  <a14:hiddenLine xmlns="" xmlns:a14="http://schemas.microsoft.com/office/drawing/2010/main" w="9525">
                     <a:solidFill>
                       <a:srgbClr val="000000"/>
                     </a:solidFill>
@@ -11478,7 +11478,7 @@
               </a:ln>
               <a:extLst>
                 <a:ext uri="{91240B29-F687-4f45-9708-019B960494DF}">
-                  <a14:hiddenLine xmlns:a14="http://schemas.microsoft.com/office/drawing/2010/main" xmlns="" w="9525">
+                  <a14:hiddenLine xmlns="" xmlns:a14="http://schemas.microsoft.com/office/drawing/2010/main" w="9525">
                     <a:solidFill>
                       <a:srgbClr val="000000"/>
                     </a:solidFill>
@@ -11546,7 +11546,7 @@
               </a:ln>
               <a:extLst>
                 <a:ext uri="{91240B29-F687-4f45-9708-019B960494DF}">
-                  <a14:hiddenLine xmlns:a14="http://schemas.microsoft.com/office/drawing/2010/main" xmlns="" w="9525">
+                  <a14:hiddenLine xmlns="" xmlns:a14="http://schemas.microsoft.com/office/drawing/2010/main" w="9525">
                     <a:solidFill>
                       <a:srgbClr val="000000"/>
                     </a:solidFill>
@@ -11636,7 +11636,7 @@
               </a:ln>
               <a:extLst>
                 <a:ext uri="{91240B29-F687-4f45-9708-019B960494DF}">
-                  <a14:hiddenLine xmlns:a14="http://schemas.microsoft.com/office/drawing/2010/main" xmlns="" w="9525">
+                  <a14:hiddenLine xmlns="" xmlns:a14="http://schemas.microsoft.com/office/drawing/2010/main" w="9525">
                     <a:solidFill>
                       <a:srgbClr val="000000"/>
                     </a:solidFill>
@@ -11704,7 +11704,7 @@
               </a:ln>
               <a:extLst>
                 <a:ext uri="{91240B29-F687-4f45-9708-019B960494DF}">
-                  <a14:hiddenLine xmlns:a14="http://schemas.microsoft.com/office/drawing/2010/main" xmlns="" w="9525">
+                  <a14:hiddenLine xmlns="" xmlns:a14="http://schemas.microsoft.com/office/drawing/2010/main" w="9525">
                     <a:solidFill>
                       <a:srgbClr val="000000"/>
                     </a:solidFill>
@@ -11794,7 +11794,7 @@
               </a:ln>
               <a:extLst>
                 <a:ext uri="{91240B29-F687-4f45-9708-019B960494DF}">
-                  <a14:hiddenLine xmlns:a14="http://schemas.microsoft.com/office/drawing/2010/main" xmlns="" w="9525">
+                  <a14:hiddenLine xmlns="" xmlns:a14="http://schemas.microsoft.com/office/drawing/2010/main" w="9525">
                     <a:solidFill>
                       <a:srgbClr val="000000"/>
                     </a:solidFill>
@@ -11828,7 +11828,7 @@
               </a:ln>
               <a:extLst>
                 <a:ext uri="{91240B29-F687-4f45-9708-019B960494DF}">
-                  <a14:hiddenLine xmlns:a14="http://schemas.microsoft.com/office/drawing/2010/main" xmlns="" w="9525">
+                  <a14:hiddenLine xmlns="" xmlns:a14="http://schemas.microsoft.com/office/drawing/2010/main" w="9525">
                     <a:solidFill>
                       <a:srgbClr val="000000"/>
                     </a:solidFill>
@@ -11969,7 +11969,7 @@
             <a:fld id="{48A87A34-81AB-432B-8DAE-1953F412C126}" type="datetimeFigureOut">
               <a:rPr lang="en-US" dirty="0"/>
               <a:pPr/>
-              <a:t>9/14/2021</a:t>
+              <a:t>9/16/2021</a:t>
             </a:fld>
             <a:endParaRPr lang="en-US" dirty="0"/>
           </a:p>
@@ -13633,15 +13633,7 @@
             </a:pPr>
             <a:r>
               <a:rPr lang="en-US" dirty="0"/>
-              <a:t>This is </a:t>
-            </a:r>
-            <a:r>
-              <a:rPr lang="en-US" dirty="0"/>
-              <a:t>because you </a:t>
-            </a:r>
-            <a:r>
-              <a:rPr lang="en-US" dirty="0"/>
-              <a:t>can restart the container if desired, keeping the state data it had when it exited.</a:t>
+              <a:t>This is because you can restart the container if desired, keeping the state data it had when it exited.</a:t>
             </a:r>
           </a:p>
         </p:txBody>
@@ -13818,11 +13810,6 @@
               </a:rPr>
               <a:t>docker ps -a</a:t>
             </a:r>
-            <a:endParaRPr lang="en-US" b="1" dirty="0">
-              <a:solidFill>
-                <a:srgbClr val="00B0F0"/>
-              </a:solidFill>
-            </a:endParaRPr>
           </a:p>
         </p:txBody>
       </p:sp>
@@ -14766,11 +14753,7 @@
             </a:pPr>
             <a:r>
               <a:rPr lang="en-US" dirty="0"/>
-              <a:t>Understand that you can have two containers running the same image at the same time, but they must be uniquely named.  </a:t>
-            </a:r>
-            <a:r>
-              <a:rPr lang="en-US" dirty="0"/>
-              <a:t>They will have unique IDs and auto or manually assigned names</a:t>
+              <a:t>Understand that you can have two containers running the same image at the same time, but they must be uniquely named.  They will have unique IDs and auto or manually assigned names</a:t>
             </a:r>
             <a:r>
               <a:rPr lang="en-US" dirty="0" smtClean="0"/>
@@ -16515,37 +16498,14 @@
       </p:grpSpPr>
       <p:sp>
         <p:nvSpPr>
-          <p:cNvPr id="2" name="Title 1"/>
-          <p:cNvSpPr>
-            <a:spLocks noGrp="1"/>
-          </p:cNvSpPr>
-          <p:nvPr>
-            <p:ph type="title"/>
-          </p:nvPr>
-        </p:nvSpPr>
-        <p:spPr/>
-        <p:txBody>
-          <a:bodyPr/>
-          <a:lstStyle/>
-          <a:p>
-            <a:r>
-              <a:rPr lang="en-US" dirty="0" smtClean="0"/>
-              <a:t>What we will cover today</a:t>
-            </a:r>
-            <a:endParaRPr lang="en-US" dirty="0"/>
-          </a:p>
-        </p:txBody>
-      </p:sp>
-      <p:sp>
-        <p:nvSpPr>
-          <p:cNvPr id="3" name="TextBox 2"/>
+          <p:cNvPr id="2" name="TextBox 1"/>
           <p:cNvSpPr txBox="1"/>
           <p:nvPr/>
         </p:nvSpPr>
         <p:spPr>
           <a:xfrm>
-            <a:off x="1141413" y="1959429"/>
-            <a:ext cx="9839625" cy="4401205"/>
+            <a:off x="751115" y="1621971"/>
+            <a:ext cx="10798627" cy="4524315"/>
           </a:xfrm>
           <a:prstGeom prst="rect">
             <a:avLst/>
@@ -16558,257 +16518,146 @@
           </a:bodyPr>
           <a:lstStyle/>
           <a:p>
-            <a:pPr marL="457200" indent="-457200">
-              <a:buFont typeface="Arial" panose="020B0604020202020204" pitchFamily="34" charset="0"/>
-              <a:buChar char="•"/>
-            </a:pPr>
-            <a:r>
-              <a:rPr lang="en-US" sz="2800" dirty="0" smtClean="0"/>
-              <a:t>Today, </a:t>
-            </a:r>
-            <a:r>
-              <a:rPr lang="en-US" sz="2800" dirty="0"/>
-              <a:t>we will learn some essential Docker commands</a:t>
-            </a:r>
-            <a:r>
-              <a:rPr lang="en-US" sz="2800" dirty="0" smtClean="0"/>
-              <a:t>.</a:t>
-            </a:r>
-            <a:endParaRPr lang="en-US" sz="2800" b="1" dirty="0">
+            <a:r>
+              <a:rPr lang="en-US" sz="3600" dirty="0">
+                <a:solidFill>
+                  <a:schemeClr val="bg1">
+                    <a:lumMod val="50000"/>
+                    <a:lumOff val="50000"/>
+                  </a:schemeClr>
+                </a:solidFill>
+              </a:rPr>
+              <a:t>Chapter 1: Setting up a Docker Development Environment</a:t>
+            </a:r>
+          </a:p>
+          <a:p>
+            <a:r>
+              <a:rPr lang="en-US" sz="3600" dirty="0"/>
+              <a:t>Chapter 2: Learning Docker Commands</a:t>
+            </a:r>
+          </a:p>
+          <a:p>
+            <a:r>
+              <a:rPr lang="en-US" sz="3600" dirty="0" smtClean="0">
+                <a:solidFill>
+                  <a:schemeClr val="bg1">
+                    <a:lumMod val="50000"/>
+                    <a:lumOff val="50000"/>
+                  </a:schemeClr>
+                </a:solidFill>
+              </a:rPr>
+              <a:t>Chapter 3: Creating Docker Images</a:t>
+            </a:r>
+          </a:p>
+          <a:p>
+            <a:r>
+              <a:rPr lang="en-US" sz="3600" dirty="0">
+                <a:solidFill>
+                  <a:schemeClr val="bg1">
+                    <a:lumMod val="50000"/>
+                    <a:lumOff val="50000"/>
+                  </a:schemeClr>
+                </a:solidFill>
+              </a:rPr>
+              <a:t>Chapter 4: Docker Volumes</a:t>
+            </a:r>
+          </a:p>
+          <a:p>
+            <a:r>
+              <a:rPr lang="en-US" sz="3600" dirty="0" smtClean="0">
+                <a:solidFill>
+                  <a:schemeClr val="bg1">
+                    <a:lumMod val="50000"/>
+                    <a:lumOff val="50000"/>
+                  </a:schemeClr>
+                </a:solidFill>
+              </a:rPr>
+              <a:t>Chapter 5: Docker Swarm</a:t>
+            </a:r>
+          </a:p>
+          <a:p>
+            <a:r>
+              <a:rPr lang="en-US" sz="3600" dirty="0" smtClean="0">
+                <a:solidFill>
+                  <a:schemeClr val="bg1">
+                    <a:lumMod val="50000"/>
+                    <a:lumOff val="50000"/>
+                  </a:schemeClr>
+                </a:solidFill>
+              </a:rPr>
+              <a:t>Chapter 6: Docker Networking</a:t>
+            </a:r>
+          </a:p>
+          <a:p>
+            <a:r>
+              <a:rPr lang="en-US" sz="3600" dirty="0" smtClean="0">
+                <a:solidFill>
+                  <a:schemeClr val="bg1">
+                    <a:lumMod val="50000"/>
+                    <a:lumOff val="50000"/>
+                  </a:schemeClr>
+                </a:solidFill>
+              </a:rPr>
+              <a:t>Chapter 7: Docker Stacks</a:t>
+            </a:r>
+          </a:p>
+          <a:p>
+            <a:r>
+              <a:rPr lang="en-US" sz="3600" dirty="0" smtClean="0">
+                <a:solidFill>
+                  <a:schemeClr val="bg1">
+                    <a:lumMod val="50000"/>
+                    <a:lumOff val="50000"/>
+                  </a:schemeClr>
+                </a:solidFill>
+              </a:rPr>
+              <a:t>Chapter 8: Docker and Jenkins</a:t>
+            </a:r>
+            <a:endParaRPr lang="en-US" sz="3600" dirty="0">
               <a:solidFill>
-                <a:srgbClr val="00B0F0"/>
+                <a:schemeClr val="bg1">
+                  <a:lumMod val="50000"/>
+                  <a:lumOff val="50000"/>
+                </a:schemeClr>
               </a:solidFill>
             </a:endParaRPr>
           </a:p>
-          <a:p>
-            <a:pPr marL="457200" indent="-457200">
-              <a:buFont typeface="Arial" panose="020B0604020202020204" pitchFamily="34" charset="0"/>
-              <a:buChar char="•"/>
-            </a:pPr>
-            <a:r>
-              <a:rPr lang="en-US" sz="2800" dirty="0" smtClean="0"/>
-              <a:t>While </a:t>
-            </a:r>
-            <a:r>
-              <a:rPr lang="en-US" sz="2800" dirty="0"/>
-              <a:t>we focus on one </a:t>
-            </a:r>
-            <a:r>
-              <a:rPr lang="en-US" sz="2800" dirty="0" smtClean="0"/>
-              <a:t>of the </a:t>
-            </a:r>
-            <a:r>
-              <a:rPr lang="en-US" sz="2800" dirty="0"/>
-              <a:t>most important commands, the</a:t>
-            </a:r>
-            <a:r>
-              <a:rPr lang="en-US" sz="2800" b="1" dirty="0"/>
-              <a:t> </a:t>
-            </a:r>
-            <a:r>
-              <a:rPr lang="en-US" sz="2800" b="1" dirty="0">
-                <a:solidFill>
-                  <a:srgbClr val="00B0F0"/>
-                </a:solidFill>
-              </a:rPr>
-              <a:t>container run</a:t>
-            </a:r>
-            <a:r>
-              <a:rPr lang="en-US" sz="2800" dirty="0"/>
-              <a:t> command, we will also cover </a:t>
-            </a:r>
-            <a:r>
-              <a:rPr lang="en-US" sz="2800" dirty="0" smtClean="0"/>
-              <a:t>many other </a:t>
-            </a:r>
-            <a:r>
-              <a:rPr lang="en-US" sz="2800" dirty="0"/>
-              <a:t>commands that you will be using every day. </a:t>
-            </a:r>
-            <a:endParaRPr lang="en-US" sz="2800" dirty="0" smtClean="0"/>
-          </a:p>
-          <a:p>
-            <a:pPr marL="457200" indent="-457200">
-              <a:buFont typeface="Arial" panose="020B0604020202020204" pitchFamily="34" charset="0"/>
-              <a:buChar char="•"/>
-            </a:pPr>
-            <a:r>
-              <a:rPr lang="en-US" sz="2800" dirty="0" smtClean="0"/>
-              <a:t>These </a:t>
-            </a:r>
-            <a:r>
-              <a:rPr lang="en-US" sz="2800" dirty="0"/>
-              <a:t>commands include the </a:t>
-            </a:r>
-            <a:r>
-              <a:rPr lang="en-US" sz="2800" b="1" dirty="0">
-                <a:solidFill>
-                  <a:srgbClr val="00B0F0"/>
-                </a:solidFill>
-              </a:rPr>
-              <a:t>list container</a:t>
-            </a:r>
-            <a:r>
-              <a:rPr lang="en-US" sz="2800" dirty="0" smtClean="0"/>
-              <a:t> </a:t>
-            </a:r>
-            <a:r>
-              <a:rPr lang="en-US" sz="2800" dirty="0"/>
-              <a:t>command, the </a:t>
-            </a:r>
-            <a:r>
-              <a:rPr lang="en-US" sz="2800" b="1" dirty="0">
-                <a:solidFill>
-                  <a:srgbClr val="00B0F0"/>
-                </a:solidFill>
-              </a:rPr>
-              <a:t>stop container</a:t>
-            </a:r>
-            <a:r>
-              <a:rPr lang="en-US" sz="2800" dirty="0"/>
-              <a:t> command, and the </a:t>
-            </a:r>
-            <a:r>
-              <a:rPr lang="en-US" sz="2800" b="1" dirty="0">
-                <a:solidFill>
-                  <a:srgbClr val="00B0F0"/>
-                </a:solidFill>
-              </a:rPr>
-              <a:t>remove </a:t>
-            </a:r>
-            <a:r>
-              <a:rPr lang="en-US" sz="2800" b="1" dirty="0">
-                <a:solidFill>
-                  <a:srgbClr val="00B0F0"/>
-                </a:solidFill>
-              </a:rPr>
-              <a:t>container</a:t>
-            </a:r>
-            <a:r>
-              <a:rPr lang="en-US" sz="2800" dirty="0"/>
-              <a:t> command</a:t>
-            </a:r>
-            <a:r>
-              <a:rPr lang="en-US" sz="2800" dirty="0" smtClean="0"/>
-              <a:t>. </a:t>
-            </a:r>
-          </a:p>
-          <a:p>
-            <a:pPr marL="457200" indent="-457200">
-              <a:buFont typeface="Arial" panose="020B0604020202020204" pitchFamily="34" charset="0"/>
-              <a:buChar char="•"/>
-            </a:pPr>
-            <a:r>
-              <a:rPr lang="en-US" sz="2800" dirty="0" smtClean="0"/>
-              <a:t>Along </a:t>
-            </a:r>
-            <a:r>
-              <a:rPr lang="en-US" sz="2800" dirty="0"/>
-              <a:t>the way, we will also discover other container commands such as </a:t>
-            </a:r>
-            <a:r>
-              <a:rPr lang="en-US" sz="2800" b="1" dirty="0">
-                <a:solidFill>
-                  <a:srgbClr val="00B0F0"/>
-                </a:solidFill>
-              </a:rPr>
-              <a:t>logs</a:t>
-            </a:r>
-            <a:r>
-              <a:rPr lang="en-US" sz="2800" dirty="0"/>
-              <a:t>, </a:t>
-            </a:r>
-            <a:r>
-              <a:rPr lang="en-US" sz="2800" b="1" dirty="0">
-                <a:solidFill>
-                  <a:srgbClr val="00B0F0"/>
-                </a:solidFill>
-              </a:rPr>
-              <a:t>inspect</a:t>
-            </a:r>
-            <a:r>
-              <a:rPr lang="en-US" sz="2800" dirty="0"/>
-              <a:t>, </a:t>
-            </a:r>
-            <a:r>
-              <a:rPr lang="en-US" sz="2800" b="1" dirty="0">
-                <a:solidFill>
-                  <a:srgbClr val="00B0F0"/>
-                </a:solidFill>
-              </a:rPr>
-              <a:t>stats</a:t>
-            </a:r>
-            <a:r>
-              <a:rPr lang="en-US" sz="2800" dirty="0" smtClean="0"/>
-              <a:t>, </a:t>
-            </a:r>
-            <a:r>
-              <a:rPr lang="en-US" sz="2800" b="1" dirty="0">
-                <a:solidFill>
-                  <a:srgbClr val="00B0F0"/>
-                </a:solidFill>
-              </a:rPr>
-              <a:t>attach</a:t>
-            </a:r>
-            <a:r>
-              <a:rPr lang="en-US" sz="2800" dirty="0"/>
-              <a:t>, </a:t>
-            </a:r>
-            <a:r>
-              <a:rPr lang="en-US" sz="2800" b="1" dirty="0">
-                <a:solidFill>
-                  <a:srgbClr val="00B0F0"/>
-                </a:solidFill>
-              </a:rPr>
-              <a:t>exec</a:t>
-            </a:r>
-            <a:r>
-              <a:rPr lang="en-US" sz="2800" dirty="0"/>
-              <a:t>, and </a:t>
-            </a:r>
-            <a:r>
-              <a:rPr lang="en-US" sz="2800" b="1" dirty="0">
-                <a:solidFill>
-                  <a:srgbClr val="00B0F0"/>
-                </a:solidFill>
-              </a:rPr>
-              <a:t>commit</a:t>
-            </a:r>
-            <a:r>
-              <a:rPr lang="en-US" sz="2800" dirty="0"/>
-              <a:t>. </a:t>
-            </a:r>
-            <a:endParaRPr lang="en-US" sz="2800" dirty="0" smtClean="0"/>
-          </a:p>
-          <a:p>
-            <a:pPr marL="457200" indent="-457200">
-              <a:buFont typeface="Arial" panose="020B0604020202020204" pitchFamily="34" charset="0"/>
-              <a:buChar char="•"/>
-            </a:pPr>
-            <a:r>
-              <a:rPr lang="en-US" sz="2800" dirty="0" smtClean="0"/>
-              <a:t>I </a:t>
-            </a:r>
-            <a:r>
-              <a:rPr lang="en-US" sz="2800" dirty="0"/>
-              <a:t>think you will find this chapter to be an excellent foundation </a:t>
-            </a:r>
-            <a:r>
-              <a:rPr lang="en-US" sz="2800" dirty="0" smtClean="0"/>
-              <a:t>for Docker </a:t>
-            </a:r>
-            <a:r>
-              <a:rPr lang="en-US" sz="2800" dirty="0"/>
-              <a:t>education.</a:t>
-            </a:r>
-            <a:endParaRPr lang="en-US" sz="4000" dirty="0"/>
+        </p:txBody>
+      </p:sp>
+      <p:sp>
+        <p:nvSpPr>
+          <p:cNvPr id="3" name="TextBox 2"/>
+          <p:cNvSpPr txBox="1"/>
+          <p:nvPr/>
+        </p:nvSpPr>
+        <p:spPr>
+          <a:xfrm>
+            <a:off x="4245835" y="261258"/>
+            <a:ext cx="2566344" cy="923330"/>
+          </a:xfrm>
+          <a:prstGeom prst="rect">
+            <a:avLst/>
+          </a:prstGeom>
+          <a:noFill/>
+        </p:spPr>
+        <p:txBody>
+          <a:bodyPr wrap="none" rtlCol="0">
+            <a:spAutoFit/>
+          </a:bodyPr>
+          <a:lstStyle/>
+          <a:p>
+            <a:r>
+              <a:rPr lang="en-US" sz="5400" dirty="0" smtClean="0"/>
+              <a:t>Today…</a:t>
+            </a:r>
+            <a:endParaRPr lang="en-US" sz="5400" dirty="0"/>
           </a:p>
         </p:txBody>
       </p:sp>
     </p:spTree>
     <p:extLst>
       <p:ext uri="{BB962C8B-B14F-4D97-AF65-F5344CB8AC3E}">
-        <p14:creationId xmlns:p14="http://schemas.microsoft.com/office/powerpoint/2010/main" val="781378534"/>
+        <p14:creationId xmlns:p14="http://schemas.microsoft.com/office/powerpoint/2010/main" val="4207003925"/>
       </p:ext>
     </p:extLst>
   </p:cSld>
@@ -17269,7 +17118,23 @@
                   <a:srgbClr val="00B0F0"/>
                 </a:solidFill>
               </a:rPr>
-              <a:t> .State}}' web-server1 | jq</a:t>
+              <a:t> .State}}' </a:t>
+            </a:r>
+            <a:r>
+              <a:rPr lang="en-US" sz="2000" b="1" dirty="0" smtClean="0">
+                <a:solidFill>
+                  <a:srgbClr val="00B0F0"/>
+                </a:solidFill>
+              </a:rPr>
+              <a:t>web-server </a:t>
+            </a:r>
+            <a:r>
+              <a:rPr lang="en-US" sz="2000" b="1" dirty="0">
+                <a:solidFill>
+                  <a:srgbClr val="00B0F0"/>
+                </a:solidFill>
+              </a:rPr>
+              <a:t>| jq</a:t>
             </a:r>
           </a:p>
           <a:p>
@@ -17315,7 +17180,23 @@
                   <a:srgbClr val="00B0F0"/>
                 </a:solidFill>
               </a:rPr>
-              <a:t> .State}}' web-server1 | </a:t>
+              <a:t> .State}}' </a:t>
+            </a:r>
+            <a:r>
+              <a:rPr lang="en-US" sz="2000" b="1" dirty="0" smtClean="0">
+                <a:solidFill>
+                  <a:srgbClr val="00B0F0"/>
+                </a:solidFill>
+              </a:rPr>
+              <a:t>web-server </a:t>
+            </a:r>
+            <a:r>
+              <a:rPr lang="en-US" sz="2000" b="1" dirty="0">
+                <a:solidFill>
+                  <a:srgbClr val="00B0F0"/>
+                </a:solidFill>
+              </a:rPr>
+              <a:t>| </a:t>
             </a:r>
             <a:r>
               <a:rPr lang="en-US" sz="2000" b="1" dirty="0" smtClean="0">
@@ -17402,7 +17283,15 @@
                   <a:srgbClr val="00B0F0"/>
                 </a:solidFill>
               </a:rPr>
-              <a:t>}}' web-server1 </a:t>
+              <a:t>}}' </a:t>
+            </a:r>
+            <a:r>
+              <a:rPr lang="en-US" sz="2000" b="1" dirty="0" smtClean="0">
+                <a:solidFill>
+                  <a:srgbClr val="00B0F0"/>
+                </a:solidFill>
+              </a:rPr>
+              <a:t>web-server </a:t>
             </a:r>
             <a:r>
               <a:rPr lang="en-US" sz="2000" b="1" dirty="0" smtClean="0">
@@ -17477,7 +17366,15 @@
                   <a:srgbClr val="00B0F0"/>
                 </a:solidFill>
               </a:rPr>
-              <a:t>}}' web-server1 </a:t>
+              <a:t>}}' </a:t>
+            </a:r>
+            <a:r>
+              <a:rPr lang="en-US" sz="2000" b="1" dirty="0" smtClean="0">
+                <a:solidFill>
+                  <a:srgbClr val="00B0F0"/>
+                </a:solidFill>
+              </a:rPr>
+              <a:t>web-server </a:t>
             </a:r>
             <a:r>
               <a:rPr lang="en-US" sz="2000" b="1" dirty="0" smtClean="0">
@@ -17488,7 +17385,7 @@
               <a:t>| jq </a:t>
             </a:r>
             <a:r>
-              <a:rPr lang="en-US" sz="2000" b="1" dirty="0">
+              <a:rPr lang="en-US" sz="2000" b="1">
                 <a:solidFill>
                   <a:srgbClr val="00B0F0"/>
                 </a:solidFill>
@@ -17496,13 +17393,18 @@
               <a:t>'.</a:t>
             </a:r>
             <a:r>
-              <a:rPr lang="en-US" sz="2000" b="1" dirty="0" smtClean="0">
+              <a:rPr lang="en-US" sz="2000" b="1">
                 <a:solidFill>
                   <a:srgbClr val="00B0F0"/>
                 </a:solidFill>
               </a:rPr>
-              <a:t>Ports‘</a:t>
-            </a:r>
+              <a:t>Ports'</a:t>
+            </a:r>
+            <a:endParaRPr lang="en-US" sz="2000" b="1" dirty="0" smtClean="0">
+              <a:solidFill>
+                <a:srgbClr val="00B0F0"/>
+              </a:solidFill>
+            </a:endParaRPr>
           </a:p>
           <a:p>
             <a:pPr marL="0" indent="0">
@@ -17555,7 +17457,23 @@
                   <a:srgbClr val="00B0F0"/>
                 </a:solidFill>
               </a:rPr>
-              <a:t>}}' web-server1 | jq '.</a:t>
+              <a:t>}}' </a:t>
+            </a:r>
+            <a:r>
+              <a:rPr lang="en-US" sz="1800" b="1" dirty="0" smtClean="0">
+                <a:solidFill>
+                  <a:srgbClr val="00B0F0"/>
+                </a:solidFill>
+              </a:rPr>
+              <a:t>web-server </a:t>
+            </a:r>
+            <a:r>
+              <a:rPr lang="en-US" sz="1800" b="1" dirty="0">
+                <a:solidFill>
+                  <a:srgbClr val="00B0F0"/>
+                </a:solidFill>
+              </a:rPr>
+              <a:t>| jq '.</a:t>
             </a:r>
             <a:r>
               <a:rPr lang="en-US" sz="1800" b="1" dirty="0" err="1">
@@ -19004,14 +18922,37 @@
       </p:grpSpPr>
       <p:sp>
         <p:nvSpPr>
-          <p:cNvPr id="2" name="TextBox 1"/>
+          <p:cNvPr id="2" name="Title 1"/>
+          <p:cNvSpPr>
+            <a:spLocks noGrp="1"/>
+          </p:cNvSpPr>
+          <p:nvPr>
+            <p:ph type="title"/>
+          </p:nvPr>
+        </p:nvSpPr>
+        <p:spPr/>
+        <p:txBody>
+          <a:bodyPr/>
+          <a:lstStyle/>
+          <a:p>
+            <a:r>
+              <a:rPr lang="en-US" dirty="0" smtClean="0"/>
+              <a:t>What we will cover today</a:t>
+            </a:r>
+            <a:endParaRPr lang="en-US" dirty="0"/>
+          </a:p>
+        </p:txBody>
+      </p:sp>
+      <p:sp>
+        <p:nvSpPr>
+          <p:cNvPr id="3" name="TextBox 2"/>
           <p:cNvSpPr txBox="1"/>
           <p:nvPr/>
         </p:nvSpPr>
         <p:spPr>
           <a:xfrm>
-            <a:off x="751115" y="1621971"/>
-            <a:ext cx="10798627" cy="4524315"/>
+            <a:off x="1141413" y="1959429"/>
+            <a:ext cx="9839625" cy="4401205"/>
           </a:xfrm>
           <a:prstGeom prst="rect">
             <a:avLst/>
@@ -19024,146 +18965,253 @@
           </a:bodyPr>
           <a:lstStyle/>
           <a:p>
-            <a:r>
-              <a:rPr lang="en-US" sz="3600" dirty="0">
-                <a:solidFill>
-                  <a:schemeClr val="bg1">
-                    <a:lumMod val="50000"/>
-                    <a:lumOff val="50000"/>
-                  </a:schemeClr>
-                </a:solidFill>
-              </a:rPr>
-              <a:t>Chapter 1: Setting up a Docker Development Environment</a:t>
-            </a:r>
-          </a:p>
-          <a:p>
-            <a:r>
-              <a:rPr lang="en-US" sz="3600" dirty="0"/>
-              <a:t>Chapter 2: Learning Docker Commands</a:t>
-            </a:r>
-          </a:p>
-          <a:p>
-            <a:r>
-              <a:rPr lang="en-US" sz="3600" dirty="0" smtClean="0">
-                <a:solidFill>
-                  <a:schemeClr val="bg1">
-                    <a:lumMod val="50000"/>
-                    <a:lumOff val="50000"/>
-                  </a:schemeClr>
-                </a:solidFill>
-              </a:rPr>
-              <a:t>Chapter 3: Creating Docker Images</a:t>
-            </a:r>
-          </a:p>
-          <a:p>
-            <a:r>
-              <a:rPr lang="en-US" sz="3600" dirty="0">
-                <a:solidFill>
-                  <a:schemeClr val="bg1">
-                    <a:lumMod val="50000"/>
-                    <a:lumOff val="50000"/>
-                  </a:schemeClr>
-                </a:solidFill>
-              </a:rPr>
-              <a:t>Chapter 4: Docker Volumes</a:t>
-            </a:r>
-          </a:p>
-          <a:p>
-            <a:r>
-              <a:rPr lang="en-US" sz="3600" dirty="0" smtClean="0">
-                <a:solidFill>
-                  <a:schemeClr val="bg1">
-                    <a:lumMod val="50000"/>
-                    <a:lumOff val="50000"/>
-                  </a:schemeClr>
-                </a:solidFill>
-              </a:rPr>
-              <a:t>Chapter 5: Docker Swarm</a:t>
-            </a:r>
-          </a:p>
-          <a:p>
-            <a:r>
-              <a:rPr lang="en-US" sz="3600" dirty="0" smtClean="0">
-                <a:solidFill>
-                  <a:schemeClr val="bg1">
-                    <a:lumMod val="50000"/>
-                    <a:lumOff val="50000"/>
-                  </a:schemeClr>
-                </a:solidFill>
-              </a:rPr>
-              <a:t>Chapter 6: Docker Networking</a:t>
-            </a:r>
-          </a:p>
-          <a:p>
-            <a:r>
-              <a:rPr lang="en-US" sz="3600" dirty="0" smtClean="0">
-                <a:solidFill>
-                  <a:schemeClr val="bg1">
-                    <a:lumMod val="50000"/>
-                    <a:lumOff val="50000"/>
-                  </a:schemeClr>
-                </a:solidFill>
-              </a:rPr>
-              <a:t>Chapter 7: Docker Stacks</a:t>
-            </a:r>
-          </a:p>
-          <a:p>
-            <a:r>
-              <a:rPr lang="en-US" sz="3600" dirty="0" smtClean="0">
-                <a:solidFill>
-                  <a:schemeClr val="bg1">
-                    <a:lumMod val="50000"/>
-                    <a:lumOff val="50000"/>
-                  </a:schemeClr>
-                </a:solidFill>
-              </a:rPr>
-              <a:t>Chapter 8: Docker and Jenkins</a:t>
-            </a:r>
-            <a:endParaRPr lang="en-US" sz="3600" dirty="0">
+            <a:pPr marL="457200" indent="-457200">
+              <a:buFont typeface="Arial" panose="020B0604020202020204" pitchFamily="34" charset="0"/>
+              <a:buChar char="•"/>
+            </a:pPr>
+            <a:r>
+              <a:rPr lang="en-US" sz="2800" dirty="0" smtClean="0"/>
+              <a:t>Today, </a:t>
+            </a:r>
+            <a:r>
+              <a:rPr lang="en-US" sz="2800" dirty="0"/>
+              <a:t>we will learn some essential Docker commands</a:t>
+            </a:r>
+            <a:r>
+              <a:rPr lang="en-US" sz="2800" dirty="0" smtClean="0"/>
+              <a:t>.</a:t>
+            </a:r>
+            <a:endParaRPr lang="en-US" sz="2800" b="1" dirty="0">
               <a:solidFill>
-                <a:schemeClr val="bg1">
-                  <a:lumMod val="50000"/>
-                  <a:lumOff val="50000"/>
-                </a:schemeClr>
+                <a:srgbClr val="00B0F0"/>
               </a:solidFill>
             </a:endParaRPr>
           </a:p>
-        </p:txBody>
-      </p:sp>
-      <p:sp>
-        <p:nvSpPr>
-          <p:cNvPr id="3" name="TextBox 2"/>
-          <p:cNvSpPr txBox="1"/>
-          <p:nvPr/>
-        </p:nvSpPr>
-        <p:spPr>
-          <a:xfrm>
-            <a:off x="4245835" y="261258"/>
-            <a:ext cx="2566344" cy="923330"/>
-          </a:xfrm>
-          <a:prstGeom prst="rect">
-            <a:avLst/>
-          </a:prstGeom>
-          <a:noFill/>
-        </p:spPr>
-        <p:txBody>
-          <a:bodyPr wrap="none" rtlCol="0">
-            <a:spAutoFit/>
-          </a:bodyPr>
-          <a:lstStyle/>
-          <a:p>
-            <a:r>
-              <a:rPr lang="en-US" sz="5400" dirty="0" smtClean="0"/>
-              <a:t>Today…</a:t>
-            </a:r>
-            <a:endParaRPr lang="en-US" sz="5400" dirty="0"/>
+          <a:p>
+            <a:pPr marL="457200" indent="-457200">
+              <a:buFont typeface="Arial" panose="020B0604020202020204" pitchFamily="34" charset="0"/>
+              <a:buChar char="•"/>
+            </a:pPr>
+            <a:r>
+              <a:rPr lang="en-US" sz="2800" dirty="0" smtClean="0"/>
+              <a:t>While </a:t>
+            </a:r>
+            <a:r>
+              <a:rPr lang="en-US" sz="2800" dirty="0"/>
+              <a:t>we focus on one </a:t>
+            </a:r>
+            <a:r>
+              <a:rPr lang="en-US" sz="2800" dirty="0" smtClean="0"/>
+              <a:t>of the </a:t>
+            </a:r>
+            <a:r>
+              <a:rPr lang="en-US" sz="2800" dirty="0"/>
+              <a:t>most important commands, the</a:t>
+            </a:r>
+            <a:r>
+              <a:rPr lang="en-US" sz="2800" b="1" dirty="0"/>
+              <a:t> </a:t>
+            </a:r>
+            <a:r>
+              <a:rPr lang="en-US" sz="2800" b="1" dirty="0">
+                <a:solidFill>
+                  <a:srgbClr val="00B0F0"/>
+                </a:solidFill>
+              </a:rPr>
+              <a:t>container run</a:t>
+            </a:r>
+            <a:r>
+              <a:rPr lang="en-US" sz="2800" dirty="0"/>
+              <a:t> command, we will also cover </a:t>
+            </a:r>
+            <a:r>
+              <a:rPr lang="en-US" sz="2800" dirty="0" smtClean="0"/>
+              <a:t>many other </a:t>
+            </a:r>
+            <a:r>
+              <a:rPr lang="en-US" sz="2800" dirty="0"/>
+              <a:t>commands that you will be using every day. </a:t>
+            </a:r>
+            <a:endParaRPr lang="en-US" sz="2800" dirty="0" smtClean="0"/>
+          </a:p>
+          <a:p>
+            <a:pPr marL="457200" indent="-457200">
+              <a:buFont typeface="Arial" panose="020B0604020202020204" pitchFamily="34" charset="0"/>
+              <a:buChar char="•"/>
+            </a:pPr>
+            <a:r>
+              <a:rPr lang="en-US" sz="2800" dirty="0" smtClean="0"/>
+              <a:t>These </a:t>
+            </a:r>
+            <a:r>
+              <a:rPr lang="en-US" sz="2800" dirty="0"/>
+              <a:t>commands include the </a:t>
+            </a:r>
+            <a:r>
+              <a:rPr lang="en-US" sz="2800" b="1" dirty="0">
+                <a:solidFill>
+                  <a:srgbClr val="00B0F0"/>
+                </a:solidFill>
+              </a:rPr>
+              <a:t>list container</a:t>
+            </a:r>
+            <a:r>
+              <a:rPr lang="en-US" sz="2800" dirty="0" smtClean="0"/>
+              <a:t> </a:t>
+            </a:r>
+            <a:r>
+              <a:rPr lang="en-US" sz="2800" dirty="0"/>
+              <a:t>command, the </a:t>
+            </a:r>
+            <a:r>
+              <a:rPr lang="en-US" sz="2800" b="1" dirty="0">
+                <a:solidFill>
+                  <a:srgbClr val="00B0F0"/>
+                </a:solidFill>
+              </a:rPr>
+              <a:t>stop container</a:t>
+            </a:r>
+            <a:r>
+              <a:rPr lang="en-US" sz="2800" dirty="0"/>
+              <a:t> command, and the </a:t>
+            </a:r>
+            <a:r>
+              <a:rPr lang="en-US" sz="2800" b="1" dirty="0">
+                <a:solidFill>
+                  <a:srgbClr val="00B0F0"/>
+                </a:solidFill>
+              </a:rPr>
+              <a:t>remove container</a:t>
+            </a:r>
+            <a:r>
+              <a:rPr lang="en-US" sz="2800" dirty="0"/>
+              <a:t> command</a:t>
+            </a:r>
+            <a:r>
+              <a:rPr lang="en-US" sz="2800" dirty="0" smtClean="0"/>
+              <a:t>. </a:t>
+            </a:r>
+          </a:p>
+          <a:p>
+            <a:pPr marL="457200" indent="-457200">
+              <a:buFont typeface="Arial" panose="020B0604020202020204" pitchFamily="34" charset="0"/>
+              <a:buChar char="•"/>
+            </a:pPr>
+            <a:r>
+              <a:rPr lang="en-US" sz="2800" dirty="0" smtClean="0"/>
+              <a:t>Along </a:t>
+            </a:r>
+            <a:r>
+              <a:rPr lang="en-US" sz="2800" dirty="0"/>
+              <a:t>the way, we will also discover other container commands such as </a:t>
+            </a:r>
+            <a:r>
+              <a:rPr lang="en-US" sz="2800" b="1" dirty="0">
+                <a:solidFill>
+                  <a:srgbClr val="00B0F0"/>
+                </a:solidFill>
+              </a:rPr>
+              <a:t>logs</a:t>
+            </a:r>
+            <a:r>
+              <a:rPr lang="en-US" sz="2800" dirty="0"/>
+              <a:t>, </a:t>
+            </a:r>
+            <a:r>
+              <a:rPr lang="en-US" sz="2800" b="1" dirty="0">
+                <a:solidFill>
+                  <a:srgbClr val="00B0F0"/>
+                </a:solidFill>
+              </a:rPr>
+              <a:t>inspect</a:t>
+            </a:r>
+            <a:r>
+              <a:rPr lang="en-US" sz="2800" dirty="0"/>
+              <a:t>, </a:t>
+            </a:r>
+            <a:r>
+              <a:rPr lang="en-US" sz="2800" b="1" dirty="0">
+                <a:solidFill>
+                  <a:srgbClr val="00B0F0"/>
+                </a:solidFill>
+              </a:rPr>
+              <a:t>stats</a:t>
+            </a:r>
+            <a:r>
+              <a:rPr lang="en-US" sz="2800" dirty="0" smtClean="0"/>
+              <a:t>, </a:t>
+            </a:r>
+            <a:r>
+              <a:rPr lang="en-US" sz="2800" b="1" dirty="0">
+                <a:solidFill>
+                  <a:srgbClr val="00B0F0"/>
+                </a:solidFill>
+              </a:rPr>
+              <a:t>attach</a:t>
+            </a:r>
+            <a:r>
+              <a:rPr lang="en-US" sz="2800" dirty="0"/>
+              <a:t>, </a:t>
+            </a:r>
+            <a:r>
+              <a:rPr lang="en-US" sz="2800" b="1" dirty="0">
+                <a:solidFill>
+                  <a:srgbClr val="00B0F0"/>
+                </a:solidFill>
+              </a:rPr>
+              <a:t>exec</a:t>
+            </a:r>
+            <a:r>
+              <a:rPr lang="en-US" sz="2800" dirty="0"/>
+              <a:t>, and </a:t>
+            </a:r>
+            <a:r>
+              <a:rPr lang="en-US" sz="2800" b="1" dirty="0">
+                <a:solidFill>
+                  <a:srgbClr val="00B0F0"/>
+                </a:solidFill>
+              </a:rPr>
+              <a:t>commit</a:t>
+            </a:r>
+            <a:r>
+              <a:rPr lang="en-US" sz="2800" dirty="0"/>
+              <a:t>. </a:t>
+            </a:r>
+            <a:endParaRPr lang="en-US" sz="2800" dirty="0" smtClean="0"/>
+          </a:p>
+          <a:p>
+            <a:pPr marL="457200" indent="-457200">
+              <a:buFont typeface="Arial" panose="020B0604020202020204" pitchFamily="34" charset="0"/>
+              <a:buChar char="•"/>
+            </a:pPr>
+            <a:r>
+              <a:rPr lang="en-US" sz="2800" dirty="0" smtClean="0"/>
+              <a:t>I </a:t>
+            </a:r>
+            <a:r>
+              <a:rPr lang="en-US" sz="2800" dirty="0"/>
+              <a:t>think you will find this chapter to be an excellent foundation </a:t>
+            </a:r>
+            <a:r>
+              <a:rPr lang="en-US" sz="2800" dirty="0" smtClean="0"/>
+              <a:t>for </a:t>
+            </a:r>
+            <a:r>
+              <a:rPr lang="en-US" sz="2800" dirty="0" smtClean="0"/>
+              <a:t>your Docker </a:t>
+            </a:r>
+            <a:r>
+              <a:rPr lang="en-US" sz="2800" dirty="0"/>
+              <a:t>education.</a:t>
+            </a:r>
+            <a:endParaRPr lang="en-US" sz="4000" dirty="0"/>
           </a:p>
         </p:txBody>
       </p:sp>
     </p:spTree>
     <p:extLst>
       <p:ext uri="{BB962C8B-B14F-4D97-AF65-F5344CB8AC3E}">
-        <p14:creationId xmlns:p14="http://schemas.microsoft.com/office/powerpoint/2010/main" val="4207003925"/>
+        <p14:creationId xmlns:p14="http://schemas.microsoft.com/office/powerpoint/2010/main" val="781378534"/>
       </p:ext>
     </p:extLst>
   </p:cSld>
@@ -19877,7 +19925,6 @@
               <a:rPr lang="en-US" dirty="0"/>
               <a:t>, so basic internet access is required to execute the examples within this chapter.</a:t>
             </a:r>
-            <a:endParaRPr lang="en-US" dirty="0"/>
           </a:p>
           <a:p>
             <a:pPr marL="0" indent="0">
@@ -19885,7 +19932,15 @@
             </a:pPr>
             <a:r>
               <a:rPr lang="en-US" dirty="0"/>
-              <a:t>The code files of this chapter can be found on GitHub</a:t>
+              <a:t>The code files of this chapter </a:t>
+            </a:r>
+            <a:r>
+              <a:rPr lang="en-US" dirty="0" smtClean="0"/>
+              <a:t>in the book can </a:t>
+            </a:r>
+            <a:r>
+              <a:rPr lang="en-US" dirty="0"/>
+              <a:t>be found on GitHub</a:t>
             </a:r>
             <a:r>
               <a:rPr lang="en-US" dirty="0" smtClean="0"/>
@@ -19912,7 +19967,6 @@
               <a:rPr lang="en-US" dirty="0" smtClean="0"/>
               <a:t> </a:t>
             </a:r>
-            <a:endParaRPr lang="en-US" dirty="0" smtClean="0"/>
           </a:p>
           <a:p>
             <a:pPr marL="0" indent="0">
@@ -19924,11 +19978,7 @@
             </a:r>
             <a:r>
               <a:rPr lang="en-US" dirty="0"/>
-              <a:t>out the following video to see the code in action</a:t>
-            </a:r>
-            <a:r>
-              <a:rPr lang="en-US" dirty="0"/>
-              <a:t>: </a:t>
+              <a:t>out the following video to see the code in action: </a:t>
             </a:r>
             <a:r>
               <a:rPr lang="en-US" dirty="0">
@@ -20146,11 +20196,6 @@
               </a:rPr>
               <a:t>docker run hello-world</a:t>
             </a:r>
-            <a:endParaRPr lang="en-US" b="1" dirty="0">
-              <a:solidFill>
-                <a:srgbClr val="00B0F0"/>
-              </a:solidFill>
-            </a:endParaRPr>
           </a:p>
         </p:txBody>
       </p:sp>
@@ -20274,8 +20319,12 @@
               <a:t>talk about </a:t>
             </a:r>
             <a:r>
+              <a:rPr lang="en-US" dirty="0" smtClean="0"/>
+              <a:t>in a later chapter, </a:t>
+            </a:r>
+            <a:r>
               <a:rPr lang="en-US" dirty="0"/>
-              <a:t>later, also has two versions of the version command—one with the dashes </a:t>
+              <a:t>also has two versions of the version command—one with the dashes </a:t>
             </a:r>
             <a:r>
               <a:rPr lang="en-US" dirty="0" smtClean="0"/>

--- a/Chapter 02 - Learning Docker Commands.pptx
+++ b/Chapter 02 - Learning Docker Commands.pptx
@@ -210,7 +210,7 @@
           <a:noFill/>
           <a:extLst>
             <a:ext uri="{909E8E84-426E-40dd-AFC4-6F175D3DCCD1}">
-              <a14:hiddenFill xmlns="" xmlns:a14="http://schemas.microsoft.com/office/drawing/2010/main">
+              <a14:hiddenFill xmlns:a14="http://schemas.microsoft.com/office/drawing/2010/main" xmlns="">
                 <a:solidFill>
                   <a:srgbClr val="FFFFFF"/>
                 </a:solidFill>
@@ -269,7 +269,7 @@
             </a:ln>
             <a:extLst>
               <a:ext uri="{91240B29-F687-4f45-9708-019B960494DF}">
-                <a14:hiddenLine xmlns="" xmlns:a14="http://schemas.microsoft.com/office/drawing/2010/main" w="9525">
+                <a14:hiddenLine xmlns:a14="http://schemas.microsoft.com/office/drawing/2010/main" xmlns="" w="9525">
                   <a:solidFill>
                     <a:srgbClr val="000000"/>
                   </a:solidFill>
@@ -359,7 +359,7 @@
             </a:ln>
             <a:extLst>
               <a:ext uri="{91240B29-F687-4f45-9708-019B960494DF}">
-                <a14:hiddenLine xmlns="" xmlns:a14="http://schemas.microsoft.com/office/drawing/2010/main" w="9525">
+                <a14:hiddenLine xmlns:a14="http://schemas.microsoft.com/office/drawing/2010/main" xmlns="" w="9525">
                   <a:solidFill>
                     <a:srgbClr val="000000"/>
                   </a:solidFill>
@@ -449,7 +449,7 @@
             </a:ln>
             <a:extLst>
               <a:ext uri="{91240B29-F687-4f45-9708-019B960494DF}">
-                <a14:hiddenLine xmlns="" xmlns:a14="http://schemas.microsoft.com/office/drawing/2010/main" w="9525">
+                <a14:hiddenLine xmlns:a14="http://schemas.microsoft.com/office/drawing/2010/main" xmlns="" w="9525">
                   <a:solidFill>
                     <a:srgbClr val="000000"/>
                   </a:solidFill>
@@ -483,7 +483,7 @@
             </a:ln>
             <a:extLst>
               <a:ext uri="{91240B29-F687-4f45-9708-019B960494DF}">
-                <a14:hiddenLine xmlns="" xmlns:a14="http://schemas.microsoft.com/office/drawing/2010/main" w="9525">
+                <a14:hiddenLine xmlns:a14="http://schemas.microsoft.com/office/drawing/2010/main" xmlns="" w="9525">
                   <a:solidFill>
                     <a:srgbClr val="000000"/>
                   </a:solidFill>
@@ -573,7 +573,7 @@
             </a:ln>
             <a:extLst>
               <a:ext uri="{91240B29-F687-4f45-9708-019B960494DF}">
-                <a14:hiddenLine xmlns="" xmlns:a14="http://schemas.microsoft.com/office/drawing/2010/main" w="9525">
+                <a14:hiddenLine xmlns:a14="http://schemas.microsoft.com/office/drawing/2010/main" xmlns="" w="9525">
                   <a:solidFill>
                     <a:srgbClr val="000000"/>
                   </a:solidFill>
@@ -635,7 +635,7 @@
             </a:ln>
             <a:extLst>
               <a:ext uri="{91240B29-F687-4f45-9708-019B960494DF}">
-                <a14:hiddenLine xmlns="" xmlns:a14="http://schemas.microsoft.com/office/drawing/2010/main" w="9525">
+                <a14:hiddenLine xmlns:a14="http://schemas.microsoft.com/office/drawing/2010/main" xmlns="" w="9525">
                   <a:solidFill>
                     <a:srgbClr val="000000"/>
                   </a:solidFill>
@@ -697,7 +697,7 @@
             </a:ln>
             <a:extLst>
               <a:ext uri="{91240B29-F687-4f45-9708-019B960494DF}">
-                <a14:hiddenLine xmlns="" xmlns:a14="http://schemas.microsoft.com/office/drawing/2010/main" w="9525">
+                <a14:hiddenLine xmlns:a14="http://schemas.microsoft.com/office/drawing/2010/main" xmlns="" w="9525">
                   <a:solidFill>
                     <a:srgbClr val="000000"/>
                   </a:solidFill>
@@ -787,7 +787,7 @@
             </a:ln>
             <a:extLst>
               <a:ext uri="{91240B29-F687-4f45-9708-019B960494DF}">
-                <a14:hiddenLine xmlns="" xmlns:a14="http://schemas.microsoft.com/office/drawing/2010/main" w="9525">
+                <a14:hiddenLine xmlns:a14="http://schemas.microsoft.com/office/drawing/2010/main" xmlns="" w="9525">
                   <a:solidFill>
                     <a:srgbClr val="000000"/>
                   </a:solidFill>
@@ -849,7 +849,7 @@
             </a:ln>
             <a:extLst>
               <a:ext uri="{91240B29-F687-4f45-9708-019B960494DF}">
-                <a14:hiddenLine xmlns="" xmlns:a14="http://schemas.microsoft.com/office/drawing/2010/main" w="9525">
+                <a14:hiddenLine xmlns:a14="http://schemas.microsoft.com/office/drawing/2010/main" xmlns="" w="9525">
                   <a:solidFill>
                     <a:srgbClr val="000000"/>
                   </a:solidFill>
@@ -911,7 +911,7 @@
             </a:ln>
             <a:extLst>
               <a:ext uri="{91240B29-F687-4f45-9708-019B960494DF}">
-                <a14:hiddenLine xmlns="" xmlns:a14="http://schemas.microsoft.com/office/drawing/2010/main" w="9525">
+                <a14:hiddenLine xmlns:a14="http://schemas.microsoft.com/office/drawing/2010/main" xmlns="" w="9525">
                   <a:solidFill>
                     <a:srgbClr val="000000"/>
                   </a:solidFill>
@@ -1001,7 +1001,7 @@
             </a:ln>
             <a:extLst>
               <a:ext uri="{91240B29-F687-4f45-9708-019B960494DF}">
-                <a14:hiddenLine xmlns="" xmlns:a14="http://schemas.microsoft.com/office/drawing/2010/main" w="9525">
+                <a14:hiddenLine xmlns:a14="http://schemas.microsoft.com/office/drawing/2010/main" xmlns="" w="9525">
                   <a:solidFill>
                     <a:srgbClr val="000000"/>
                   </a:solidFill>
@@ -1091,7 +1091,7 @@
             </a:ln>
             <a:extLst>
               <a:ext uri="{91240B29-F687-4f45-9708-019B960494DF}">
-                <a14:hiddenLine xmlns="" xmlns:a14="http://schemas.microsoft.com/office/drawing/2010/main" w="9525">
+                <a14:hiddenLine xmlns:a14="http://schemas.microsoft.com/office/drawing/2010/main" xmlns="" w="9525">
                   <a:solidFill>
                     <a:srgbClr val="000000"/>
                   </a:solidFill>
@@ -1153,7 +1153,7 @@
             </a:ln>
             <a:extLst>
               <a:ext uri="{91240B29-F687-4f45-9708-019B960494DF}">
-                <a14:hiddenLine xmlns="" xmlns:a14="http://schemas.microsoft.com/office/drawing/2010/main" w="9525">
+                <a14:hiddenLine xmlns:a14="http://schemas.microsoft.com/office/drawing/2010/main" xmlns="" w="9525">
                   <a:solidFill>
                     <a:srgbClr val="000000"/>
                   </a:solidFill>
@@ -1263,7 +1263,7 @@
             </a:ln>
             <a:extLst>
               <a:ext uri="{91240B29-F687-4f45-9708-019B960494DF}">
-                <a14:hiddenLine xmlns="" xmlns:a14="http://schemas.microsoft.com/office/drawing/2010/main" w="9525">
+                <a14:hiddenLine xmlns:a14="http://schemas.microsoft.com/office/drawing/2010/main" xmlns="" w="9525">
                   <a:solidFill>
                     <a:srgbClr val="000000"/>
                   </a:solidFill>
@@ -1325,7 +1325,7 @@
             </a:ln>
             <a:extLst>
               <a:ext uri="{91240B29-F687-4f45-9708-019B960494DF}">
-                <a14:hiddenLine xmlns="" xmlns:a14="http://schemas.microsoft.com/office/drawing/2010/main" w="9525">
+                <a14:hiddenLine xmlns:a14="http://schemas.microsoft.com/office/drawing/2010/main" xmlns="" w="9525">
                   <a:solidFill>
                     <a:srgbClr val="000000"/>
                   </a:solidFill>
@@ -1415,7 +1415,7 @@
             </a:ln>
             <a:extLst>
               <a:ext uri="{91240B29-F687-4f45-9708-019B960494DF}">
-                <a14:hiddenLine xmlns="" xmlns:a14="http://schemas.microsoft.com/office/drawing/2010/main" w="9525">
+                <a14:hiddenLine xmlns:a14="http://schemas.microsoft.com/office/drawing/2010/main" xmlns="" w="9525">
                   <a:solidFill>
                     <a:srgbClr val="000000"/>
                   </a:solidFill>
@@ -1505,7 +1505,7 @@
             </a:ln>
             <a:extLst>
               <a:ext uri="{91240B29-F687-4f45-9708-019B960494DF}">
-                <a14:hiddenLine xmlns="" xmlns:a14="http://schemas.microsoft.com/office/drawing/2010/main" w="9525">
+                <a14:hiddenLine xmlns:a14="http://schemas.microsoft.com/office/drawing/2010/main" xmlns="" w="9525">
                   <a:solidFill>
                     <a:srgbClr val="000000"/>
                   </a:solidFill>
@@ -1567,7 +1567,7 @@
             </a:ln>
             <a:extLst>
               <a:ext uri="{91240B29-F687-4f45-9708-019B960494DF}">
-                <a14:hiddenLine xmlns="" xmlns:a14="http://schemas.microsoft.com/office/drawing/2010/main" w="9525">
+                <a14:hiddenLine xmlns:a14="http://schemas.microsoft.com/office/drawing/2010/main" xmlns="" w="9525">
                   <a:solidFill>
                     <a:srgbClr val="000000"/>
                   </a:solidFill>
@@ -1657,7 +1657,7 @@
             </a:ln>
             <a:extLst>
               <a:ext uri="{91240B29-F687-4f45-9708-019B960494DF}">
-                <a14:hiddenLine xmlns="" xmlns:a14="http://schemas.microsoft.com/office/drawing/2010/main" w="9525">
+                <a14:hiddenLine xmlns:a14="http://schemas.microsoft.com/office/drawing/2010/main" xmlns="" w="9525">
                   <a:solidFill>
                     <a:srgbClr val="000000"/>
                   </a:solidFill>
@@ -1747,7 +1747,7 @@
             </a:ln>
             <a:extLst>
               <a:ext uri="{91240B29-F687-4f45-9708-019B960494DF}">
-                <a14:hiddenLine xmlns="" xmlns:a14="http://schemas.microsoft.com/office/drawing/2010/main" w="9525">
+                <a14:hiddenLine xmlns:a14="http://schemas.microsoft.com/office/drawing/2010/main" xmlns="" w="9525">
                   <a:solidFill>
                     <a:srgbClr val="000000"/>
                   </a:solidFill>
@@ -1803,7 +1803,7 @@
             </a:ln>
             <a:extLst>
               <a:ext uri="{91240B29-F687-4f45-9708-019B960494DF}">
-                <a14:hiddenLine xmlns="" xmlns:a14="http://schemas.microsoft.com/office/drawing/2010/main" w="9525">
+                <a14:hiddenLine xmlns:a14="http://schemas.microsoft.com/office/drawing/2010/main" xmlns="" w="9525">
                   <a:solidFill>
                     <a:srgbClr val="000000"/>
                   </a:solidFill>
@@ -1893,7 +1893,7 @@
             </a:ln>
             <a:extLst>
               <a:ext uri="{91240B29-F687-4f45-9708-019B960494DF}">
-                <a14:hiddenLine xmlns="" xmlns:a14="http://schemas.microsoft.com/office/drawing/2010/main" w="9525">
+                <a14:hiddenLine xmlns:a14="http://schemas.microsoft.com/office/drawing/2010/main" xmlns="" w="9525">
                   <a:solidFill>
                     <a:srgbClr val="000000"/>
                   </a:solidFill>
@@ -1949,7 +1949,7 @@
             </a:ln>
             <a:extLst>
               <a:ext uri="{91240B29-F687-4f45-9708-019B960494DF}">
-                <a14:hiddenLine xmlns="" xmlns:a14="http://schemas.microsoft.com/office/drawing/2010/main" w="9525">
+                <a14:hiddenLine xmlns:a14="http://schemas.microsoft.com/office/drawing/2010/main" xmlns="" w="9525">
                   <a:solidFill>
                     <a:srgbClr val="000000"/>
                   </a:solidFill>
@@ -2039,7 +2039,7 @@
             </a:ln>
             <a:extLst>
               <a:ext uri="{91240B29-F687-4f45-9708-019B960494DF}">
-                <a14:hiddenLine xmlns="" xmlns:a14="http://schemas.microsoft.com/office/drawing/2010/main" w="9525">
+                <a14:hiddenLine xmlns:a14="http://schemas.microsoft.com/office/drawing/2010/main" xmlns="" w="9525">
                   <a:solidFill>
                     <a:srgbClr val="000000"/>
                   </a:solidFill>
@@ -2107,7 +2107,7 @@
             </a:ln>
             <a:extLst>
               <a:ext uri="{91240B29-F687-4f45-9708-019B960494DF}">
-                <a14:hiddenLine xmlns="" xmlns:a14="http://schemas.microsoft.com/office/drawing/2010/main" w="9525">
+                <a14:hiddenLine xmlns:a14="http://schemas.microsoft.com/office/drawing/2010/main" xmlns="" w="9525">
                   <a:solidFill>
                     <a:srgbClr val="000000"/>
                   </a:solidFill>
@@ -2197,7 +2197,7 @@
             </a:ln>
             <a:extLst>
               <a:ext uri="{91240B29-F687-4f45-9708-019B960494DF}">
-                <a14:hiddenLine xmlns="" xmlns:a14="http://schemas.microsoft.com/office/drawing/2010/main" w="9525">
+                <a14:hiddenLine xmlns:a14="http://schemas.microsoft.com/office/drawing/2010/main" xmlns="" w="9525">
                   <a:solidFill>
                     <a:srgbClr val="000000"/>
                   </a:solidFill>
@@ -2265,7 +2265,7 @@
             </a:ln>
             <a:extLst>
               <a:ext uri="{91240B29-F687-4f45-9708-019B960494DF}">
-                <a14:hiddenLine xmlns="" xmlns:a14="http://schemas.microsoft.com/office/drawing/2010/main" w="9525">
+                <a14:hiddenLine xmlns:a14="http://schemas.microsoft.com/office/drawing/2010/main" xmlns="" w="9525">
                   <a:solidFill>
                     <a:srgbClr val="000000"/>
                   </a:solidFill>
@@ -2355,7 +2355,7 @@
             </a:ln>
             <a:extLst>
               <a:ext uri="{91240B29-F687-4f45-9708-019B960494DF}">
-                <a14:hiddenLine xmlns="" xmlns:a14="http://schemas.microsoft.com/office/drawing/2010/main" w="9525">
+                <a14:hiddenLine xmlns:a14="http://schemas.microsoft.com/office/drawing/2010/main" xmlns="" w="9525">
                   <a:solidFill>
                     <a:srgbClr val="000000"/>
                   </a:solidFill>
@@ -2389,7 +2389,7 @@
             </a:ln>
             <a:extLst>
               <a:ext uri="{91240B29-F687-4f45-9708-019B960494DF}">
-                <a14:hiddenLine xmlns="" xmlns:a14="http://schemas.microsoft.com/office/drawing/2010/main" w="9525">
+                <a14:hiddenLine xmlns:a14="http://schemas.microsoft.com/office/drawing/2010/main" xmlns="" w="9525">
                   <a:solidFill>
                     <a:srgbClr val="000000"/>
                   </a:solidFill>
@@ -2479,7 +2479,7 @@
             </a:ln>
             <a:extLst>
               <a:ext uri="{91240B29-F687-4f45-9708-019B960494DF}">
-                <a14:hiddenLine xmlns="" xmlns:a14="http://schemas.microsoft.com/office/drawing/2010/main" w="9525">
+                <a14:hiddenLine xmlns:a14="http://schemas.microsoft.com/office/drawing/2010/main" xmlns="" w="9525">
                   <a:solidFill>
                     <a:srgbClr val="000000"/>
                   </a:solidFill>
@@ -2541,7 +2541,7 @@
             </a:ln>
             <a:extLst>
               <a:ext uri="{91240B29-F687-4f45-9708-019B960494DF}">
-                <a14:hiddenLine xmlns="" xmlns:a14="http://schemas.microsoft.com/office/drawing/2010/main" w="9525">
+                <a14:hiddenLine xmlns:a14="http://schemas.microsoft.com/office/drawing/2010/main" xmlns="" w="9525">
                   <a:solidFill>
                     <a:srgbClr val="000000"/>
                   </a:solidFill>
@@ -2603,7 +2603,7 @@
             </a:ln>
             <a:extLst>
               <a:ext uri="{91240B29-F687-4f45-9708-019B960494DF}">
-                <a14:hiddenLine xmlns="" xmlns:a14="http://schemas.microsoft.com/office/drawing/2010/main" w="9525">
+                <a14:hiddenLine xmlns:a14="http://schemas.microsoft.com/office/drawing/2010/main" xmlns="" w="9525">
                   <a:solidFill>
                     <a:srgbClr val="000000"/>
                   </a:solidFill>
@@ -2693,7 +2693,7 @@
             </a:ln>
             <a:extLst>
               <a:ext uri="{91240B29-F687-4f45-9708-019B960494DF}">
-                <a14:hiddenLine xmlns="" xmlns:a14="http://schemas.microsoft.com/office/drawing/2010/main" w="9525">
+                <a14:hiddenLine xmlns:a14="http://schemas.microsoft.com/office/drawing/2010/main" xmlns="" w="9525">
                   <a:solidFill>
                     <a:srgbClr val="000000"/>
                   </a:solidFill>
@@ -2761,7 +2761,7 @@
             </a:ln>
             <a:extLst>
               <a:ext uri="{91240B29-F687-4f45-9708-019B960494DF}">
-                <a14:hiddenLine xmlns="" xmlns:a14="http://schemas.microsoft.com/office/drawing/2010/main" w="9525">
+                <a14:hiddenLine xmlns:a14="http://schemas.microsoft.com/office/drawing/2010/main" xmlns="" w="9525">
                   <a:solidFill>
                     <a:srgbClr val="000000"/>
                   </a:solidFill>
@@ -2823,7 +2823,7 @@
             </a:ln>
             <a:extLst>
               <a:ext uri="{91240B29-F687-4f45-9708-019B960494DF}">
-                <a14:hiddenLine xmlns="" xmlns:a14="http://schemas.microsoft.com/office/drawing/2010/main" w="9525">
+                <a14:hiddenLine xmlns:a14="http://schemas.microsoft.com/office/drawing/2010/main" xmlns="" w="9525">
                   <a:solidFill>
                     <a:srgbClr val="000000"/>
                   </a:solidFill>
@@ -2913,7 +2913,7 @@
             </a:ln>
             <a:extLst>
               <a:ext uri="{91240B29-F687-4f45-9708-019B960494DF}">
-                <a14:hiddenLine xmlns="" xmlns:a14="http://schemas.microsoft.com/office/drawing/2010/main" w="9525">
+                <a14:hiddenLine xmlns:a14="http://schemas.microsoft.com/office/drawing/2010/main" xmlns="" w="9525">
                   <a:solidFill>
                     <a:srgbClr val="000000"/>
                   </a:solidFill>
@@ -2975,7 +2975,7 @@
             </a:ln>
             <a:extLst>
               <a:ext uri="{91240B29-F687-4f45-9708-019B960494DF}">
-                <a14:hiddenLine xmlns="" xmlns:a14="http://schemas.microsoft.com/office/drawing/2010/main" w="9525">
+                <a14:hiddenLine xmlns:a14="http://schemas.microsoft.com/office/drawing/2010/main" xmlns="" w="9525">
                   <a:solidFill>
                     <a:srgbClr val="000000"/>
                   </a:solidFill>
@@ -3065,7 +3065,7 @@
             </a:ln>
             <a:extLst>
               <a:ext uri="{91240B29-F687-4f45-9708-019B960494DF}">
-                <a14:hiddenLine xmlns="" xmlns:a14="http://schemas.microsoft.com/office/drawing/2010/main" w="9525">
+                <a14:hiddenLine xmlns:a14="http://schemas.microsoft.com/office/drawing/2010/main" xmlns="" w="9525">
                   <a:solidFill>
                     <a:srgbClr val="000000"/>
                   </a:solidFill>
@@ -3127,7 +3127,7 @@
             </a:ln>
             <a:extLst>
               <a:ext uri="{91240B29-F687-4f45-9708-019B960494DF}">
-                <a14:hiddenLine xmlns="" xmlns:a14="http://schemas.microsoft.com/office/drawing/2010/main" w="9525">
+                <a14:hiddenLine xmlns:a14="http://schemas.microsoft.com/office/drawing/2010/main" xmlns="" w="9525">
                   <a:solidFill>
                     <a:srgbClr val="000000"/>
                   </a:solidFill>
@@ -3217,7 +3217,7 @@
             </a:ln>
             <a:extLst>
               <a:ext uri="{91240B29-F687-4f45-9708-019B960494DF}">
-                <a14:hiddenLine xmlns="" xmlns:a14="http://schemas.microsoft.com/office/drawing/2010/main" w="9525">
+                <a14:hiddenLine xmlns:a14="http://schemas.microsoft.com/office/drawing/2010/main" xmlns="" w="9525">
                   <a:solidFill>
                     <a:srgbClr val="000000"/>
                   </a:solidFill>
@@ -3251,7 +3251,7 @@
             </a:ln>
             <a:extLst>
               <a:ext uri="{91240B29-F687-4f45-9708-019B960494DF}">
-                <a14:hiddenLine xmlns="" xmlns:a14="http://schemas.microsoft.com/office/drawing/2010/main" w="9525">
+                <a14:hiddenLine xmlns:a14="http://schemas.microsoft.com/office/drawing/2010/main" xmlns="" w="9525">
                   <a:solidFill>
                     <a:srgbClr val="000000"/>
                   </a:solidFill>
@@ -3316,7 +3316,7 @@
             </a:ln>
             <a:extLst>
               <a:ext uri="{91240B29-F687-4f45-9708-019B960494DF}">
-                <a14:hiddenLine xmlns="" xmlns:a14="http://schemas.microsoft.com/office/drawing/2010/main" w="9525">
+                <a14:hiddenLine xmlns:a14="http://schemas.microsoft.com/office/drawing/2010/main" xmlns="" w="9525">
                   <a:solidFill>
                     <a:srgbClr val="000000"/>
                   </a:solidFill>
@@ -3406,7 +3406,7 @@
             </a:ln>
             <a:extLst>
               <a:ext uri="{91240B29-F687-4f45-9708-019B960494DF}">
-                <a14:hiddenLine xmlns="" xmlns:a14="http://schemas.microsoft.com/office/drawing/2010/main" w="9525">
+                <a14:hiddenLine xmlns:a14="http://schemas.microsoft.com/office/drawing/2010/main" xmlns="" w="9525">
                   <a:solidFill>
                     <a:srgbClr val="000000"/>
                   </a:solidFill>
@@ -3468,7 +3468,7 @@
             </a:ln>
             <a:extLst>
               <a:ext uri="{91240B29-F687-4f45-9708-019B960494DF}">
-                <a14:hiddenLine xmlns="" xmlns:a14="http://schemas.microsoft.com/office/drawing/2010/main" w="9525">
+                <a14:hiddenLine xmlns:a14="http://schemas.microsoft.com/office/drawing/2010/main" xmlns="" w="9525">
                   <a:solidFill>
                     <a:srgbClr val="000000"/>
                   </a:solidFill>
@@ -3558,7 +3558,7 @@
             </a:ln>
             <a:extLst>
               <a:ext uri="{91240B29-F687-4f45-9708-019B960494DF}">
-                <a14:hiddenLine xmlns="" xmlns:a14="http://schemas.microsoft.com/office/drawing/2010/main" w="9525">
+                <a14:hiddenLine xmlns:a14="http://schemas.microsoft.com/office/drawing/2010/main" xmlns="" w="9525">
                   <a:solidFill>
                     <a:srgbClr val="000000"/>
                   </a:solidFill>
@@ -3648,7 +3648,7 @@
             </a:ln>
             <a:extLst>
               <a:ext uri="{91240B29-F687-4f45-9708-019B960494DF}">
-                <a14:hiddenLine xmlns="" xmlns:a14="http://schemas.microsoft.com/office/drawing/2010/main" w="9525">
+                <a14:hiddenLine xmlns:a14="http://schemas.microsoft.com/office/drawing/2010/main" xmlns="" w="9525">
                   <a:solidFill>
                     <a:srgbClr val="000000"/>
                   </a:solidFill>
@@ -3713,7 +3713,7 @@
             </a:ln>
             <a:extLst>
               <a:ext uri="{91240B29-F687-4f45-9708-019B960494DF}">
-                <a14:hiddenLine xmlns="" xmlns:a14="http://schemas.microsoft.com/office/drawing/2010/main" w="9525">
+                <a14:hiddenLine xmlns:a14="http://schemas.microsoft.com/office/drawing/2010/main" xmlns="" w="9525">
                   <a:solidFill>
                     <a:srgbClr val="000000"/>
                   </a:solidFill>
@@ -3775,7 +3775,7 @@
             </a:ln>
             <a:extLst>
               <a:ext uri="{91240B29-F687-4f45-9708-019B960494DF}">
-                <a14:hiddenLine xmlns="" xmlns:a14="http://schemas.microsoft.com/office/drawing/2010/main" w="9525">
+                <a14:hiddenLine xmlns:a14="http://schemas.microsoft.com/office/drawing/2010/main" xmlns="" w="9525">
                   <a:solidFill>
                     <a:srgbClr val="000000"/>
                   </a:solidFill>
@@ -3865,7 +3865,7 @@
             </a:ln>
             <a:extLst>
               <a:ext uri="{91240B29-F687-4f45-9708-019B960494DF}">
-                <a14:hiddenLine xmlns="" xmlns:a14="http://schemas.microsoft.com/office/drawing/2010/main" w="9525">
+                <a14:hiddenLine xmlns:a14="http://schemas.microsoft.com/office/drawing/2010/main" xmlns="" w="9525">
                   <a:solidFill>
                     <a:srgbClr val="000000"/>
                   </a:solidFill>
@@ -3955,7 +3955,7 @@
             </a:ln>
             <a:extLst>
               <a:ext uri="{91240B29-F687-4f45-9708-019B960494DF}">
-                <a14:hiddenLine xmlns="" xmlns:a14="http://schemas.microsoft.com/office/drawing/2010/main" w="9525">
+                <a14:hiddenLine xmlns:a14="http://schemas.microsoft.com/office/drawing/2010/main" xmlns="" w="9525">
                   <a:solidFill>
                     <a:srgbClr val="000000"/>
                   </a:solidFill>
@@ -4017,7 +4017,7 @@
             </a:ln>
             <a:extLst>
               <a:ext uri="{91240B29-F687-4f45-9708-019B960494DF}">
-                <a14:hiddenLine xmlns="" xmlns:a14="http://schemas.microsoft.com/office/drawing/2010/main" w="9525">
+                <a14:hiddenLine xmlns:a14="http://schemas.microsoft.com/office/drawing/2010/main" xmlns="" w="9525">
                   <a:solidFill>
                     <a:srgbClr val="000000"/>
                   </a:solidFill>
@@ -4137,7 +4137,7 @@
             </a:ln>
             <a:extLst>
               <a:ext uri="{91240B29-F687-4f45-9708-019B960494DF}">
-                <a14:hiddenLine xmlns="" xmlns:a14="http://schemas.microsoft.com/office/drawing/2010/main" w="9525">
+                <a14:hiddenLine xmlns:a14="http://schemas.microsoft.com/office/drawing/2010/main" xmlns="" w="9525">
                   <a:solidFill>
                     <a:srgbClr val="000000"/>
                   </a:solidFill>
@@ -4205,7 +4205,7 @@
             </a:ln>
             <a:extLst>
               <a:ext uri="{91240B29-F687-4f45-9708-019B960494DF}">
-                <a14:hiddenLine xmlns="" xmlns:a14="http://schemas.microsoft.com/office/drawing/2010/main" w="9525">
+                <a14:hiddenLine xmlns:a14="http://schemas.microsoft.com/office/drawing/2010/main" xmlns="" w="9525">
                   <a:solidFill>
                     <a:srgbClr val="000000"/>
                   </a:solidFill>
@@ -4295,7 +4295,7 @@
             </a:ln>
             <a:extLst>
               <a:ext uri="{91240B29-F687-4f45-9708-019B960494DF}">
-                <a14:hiddenLine xmlns="" xmlns:a14="http://schemas.microsoft.com/office/drawing/2010/main" w="9525">
+                <a14:hiddenLine xmlns:a14="http://schemas.microsoft.com/office/drawing/2010/main" xmlns="" w="9525">
                   <a:solidFill>
                     <a:srgbClr val="000000"/>
                   </a:solidFill>
@@ -4435,7 +4435,7 @@
           <a:p>
             <a:fld id="{48A87A34-81AB-432B-8DAE-1953F412C126}" type="datetimeFigureOut">
               <a:rPr lang="en-US" dirty="0"/>
-              <a:t>9/16/2021</a:t>
+              <a:t>10/20/2021</a:t>
             </a:fld>
             <a:endParaRPr lang="en-US" dirty="0"/>
           </a:p>
@@ -4697,7 +4697,7 @@
           <a:p>
             <a:fld id="{48A87A34-81AB-432B-8DAE-1953F412C126}" type="datetimeFigureOut">
               <a:rPr lang="en-US" dirty="0"/>
-              <a:t>9/16/2021</a:t>
+              <a:t>10/20/2021</a:t>
             </a:fld>
             <a:endParaRPr lang="en-US" dirty="0"/>
           </a:p>
@@ -4888,7 +4888,7 @@
           <a:p>
             <a:fld id="{48A87A34-81AB-432B-8DAE-1953F412C126}" type="datetimeFigureOut">
               <a:rPr lang="en-US" dirty="0"/>
-              <a:t>9/16/2021</a:t>
+              <a:t>10/20/2021</a:t>
             </a:fld>
             <a:endParaRPr lang="en-US" dirty="0"/>
           </a:p>
@@ -5146,7 +5146,7 @@
           <a:p>
             <a:fld id="{48A87A34-81AB-432B-8DAE-1953F412C126}" type="datetimeFigureOut">
               <a:rPr lang="en-US" dirty="0"/>
-              <a:t>9/16/2021</a:t>
+              <a:t>10/20/2021</a:t>
             </a:fld>
             <a:endParaRPr lang="en-US" dirty="0"/>
           </a:p>
@@ -5575,7 +5575,7 @@
           <a:p>
             <a:fld id="{48A87A34-81AB-432B-8DAE-1953F412C126}" type="datetimeFigureOut">
               <a:rPr lang="en-US" dirty="0"/>
-              <a:t>9/16/2021</a:t>
+              <a:t>10/20/2021</a:t>
             </a:fld>
             <a:endParaRPr lang="en-US" dirty="0"/>
           </a:p>
@@ -6116,7 +6116,7 @@
           <a:p>
             <a:fld id="{48A87A34-81AB-432B-8DAE-1953F412C126}" type="datetimeFigureOut">
               <a:rPr lang="en-US" dirty="0"/>
-              <a:t>9/16/2021</a:t>
+              <a:t>10/20/2021</a:t>
             </a:fld>
             <a:endParaRPr lang="en-US" dirty="0"/>
           </a:p>
@@ -6831,7 +6831,7 @@
           <a:p>
             <a:fld id="{48A87A34-81AB-432B-8DAE-1953F412C126}" type="datetimeFigureOut">
               <a:rPr lang="en-US" dirty="0"/>
-              <a:t>9/16/2021</a:t>
+              <a:t>10/20/2021</a:t>
             </a:fld>
             <a:endParaRPr lang="en-US" dirty="0"/>
           </a:p>
@@ -6996,7 +6996,7 @@
           <a:p>
             <a:fld id="{48A87A34-81AB-432B-8DAE-1953F412C126}" type="datetimeFigureOut">
               <a:rPr lang="en-US" dirty="0"/>
-              <a:t>9/16/2021</a:t>
+              <a:t>10/20/2021</a:t>
             </a:fld>
             <a:endParaRPr lang="en-US" dirty="0"/>
           </a:p>
@@ -7171,7 +7171,7 @@
           <a:p>
             <a:fld id="{48A87A34-81AB-432B-8DAE-1953F412C126}" type="datetimeFigureOut">
               <a:rPr lang="en-US" dirty="0"/>
-              <a:t>9/16/2021</a:t>
+              <a:t>10/20/2021</a:t>
             </a:fld>
             <a:endParaRPr lang="en-US" dirty="0"/>
           </a:p>
@@ -7336,7 +7336,7 @@
           <a:p>
             <a:fld id="{48A87A34-81AB-432B-8DAE-1953F412C126}" type="datetimeFigureOut">
               <a:rPr lang="en-US" dirty="0"/>
-              <a:t>9/16/2021</a:t>
+              <a:t>10/20/2021</a:t>
             </a:fld>
             <a:endParaRPr lang="en-US" dirty="0"/>
           </a:p>
@@ -7581,7 +7581,7 @@
           <a:p>
             <a:fld id="{48A87A34-81AB-432B-8DAE-1953F412C126}" type="datetimeFigureOut">
               <a:rPr lang="en-US" dirty="0"/>
-              <a:t>9/16/2021</a:t>
+              <a:t>10/20/2021</a:t>
             </a:fld>
             <a:endParaRPr lang="en-US" dirty="0"/>
           </a:p>
@@ -7808,7 +7808,7 @@
           <a:p>
             <a:fld id="{48A87A34-81AB-432B-8DAE-1953F412C126}" type="datetimeFigureOut">
               <a:rPr lang="en-US" dirty="0"/>
-              <a:t>9/16/2021</a:t>
+              <a:t>10/20/2021</a:t>
             </a:fld>
             <a:endParaRPr lang="en-US" dirty="0"/>
           </a:p>
@@ -8184,7 +8184,7 @@
           <a:p>
             <a:fld id="{48A87A34-81AB-432B-8DAE-1953F412C126}" type="datetimeFigureOut">
               <a:rPr lang="en-US" dirty="0"/>
-              <a:t>9/16/2021</a:t>
+              <a:t>10/20/2021</a:t>
             </a:fld>
             <a:endParaRPr lang="en-US" dirty="0"/>
           </a:p>
@@ -8297,7 +8297,7 @@
           <a:p>
             <a:fld id="{48A87A34-81AB-432B-8DAE-1953F412C126}" type="datetimeFigureOut">
               <a:rPr lang="en-US" dirty="0"/>
-              <a:t>9/16/2021</a:t>
+              <a:t>10/20/2021</a:t>
             </a:fld>
             <a:endParaRPr lang="en-US" dirty="0"/>
           </a:p>
@@ -8387,7 +8387,7 @@
           <a:p>
             <a:fld id="{48A87A34-81AB-432B-8DAE-1953F412C126}" type="datetimeFigureOut">
               <a:rPr lang="en-US" dirty="0"/>
-              <a:t>9/16/2021</a:t>
+              <a:t>10/20/2021</a:t>
             </a:fld>
             <a:endParaRPr lang="en-US" dirty="0"/>
           </a:p>
@@ -8631,7 +8631,7 @@
           <a:p>
             <a:fld id="{48A87A34-81AB-432B-8DAE-1953F412C126}" type="datetimeFigureOut">
               <a:rPr lang="en-US" dirty="0"/>
-              <a:t>9/16/2021</a:t>
+              <a:t>10/20/2021</a:t>
             </a:fld>
             <a:endParaRPr lang="en-US" dirty="0"/>
           </a:p>
@@ -8906,7 +8906,7 @@
           <a:p>
             <a:fld id="{48A87A34-81AB-432B-8DAE-1953F412C126}" type="datetimeFigureOut">
               <a:rPr lang="en-US" dirty="0"/>
-              <a:t>9/16/2021</a:t>
+              <a:t>10/20/2021</a:t>
             </a:fld>
             <a:endParaRPr lang="en-US" dirty="0"/>
           </a:p>
@@ -9024,7 +9024,7 @@
           <a:noFill/>
           <a:extLst>
             <a:ext uri="{909E8E84-426E-40dd-AFC4-6F175D3DCCD1}">
-              <a14:hiddenFill xmlns="" xmlns:a14="http://schemas.microsoft.com/office/drawing/2010/main">
+              <a14:hiddenFill xmlns:a14="http://schemas.microsoft.com/office/drawing/2010/main" xmlns="">
                 <a:solidFill>
                   <a:srgbClr val="FFFFFF"/>
                 </a:solidFill>
@@ -9098,7 +9098,7 @@
               </a:ln>
               <a:extLst>
                 <a:ext uri="{91240B29-F687-4f45-9708-019B960494DF}">
-                  <a14:hiddenLine xmlns="" xmlns:a14="http://schemas.microsoft.com/office/drawing/2010/main" w="9525">
+                  <a14:hiddenLine xmlns:a14="http://schemas.microsoft.com/office/drawing/2010/main" xmlns="" w="9525">
                     <a:solidFill>
                       <a:srgbClr val="000000"/>
                     </a:solidFill>
@@ -9188,7 +9188,7 @@
               </a:ln>
               <a:extLst>
                 <a:ext uri="{91240B29-F687-4f45-9708-019B960494DF}">
-                  <a14:hiddenLine xmlns="" xmlns:a14="http://schemas.microsoft.com/office/drawing/2010/main" w="9525">
+                  <a14:hiddenLine xmlns:a14="http://schemas.microsoft.com/office/drawing/2010/main" xmlns="" w="9525">
                     <a:solidFill>
                       <a:srgbClr val="000000"/>
                     </a:solidFill>
@@ -9278,7 +9278,7 @@
               </a:ln>
               <a:extLst>
                 <a:ext uri="{91240B29-F687-4f45-9708-019B960494DF}">
-                  <a14:hiddenLine xmlns="" xmlns:a14="http://schemas.microsoft.com/office/drawing/2010/main" w="9525">
+                  <a14:hiddenLine xmlns:a14="http://schemas.microsoft.com/office/drawing/2010/main" xmlns="" w="9525">
                     <a:solidFill>
                       <a:srgbClr val="000000"/>
                     </a:solidFill>
@@ -9340,7 +9340,7 @@
               </a:ln>
               <a:extLst>
                 <a:ext uri="{91240B29-F687-4f45-9708-019B960494DF}">
-                  <a14:hiddenLine xmlns="" xmlns:a14="http://schemas.microsoft.com/office/drawing/2010/main" w="9525">
+                  <a14:hiddenLine xmlns:a14="http://schemas.microsoft.com/office/drawing/2010/main" xmlns="" w="9525">
                     <a:solidFill>
                       <a:srgbClr val="000000"/>
                     </a:solidFill>
@@ -9430,7 +9430,7 @@
               </a:ln>
               <a:extLst>
                 <a:ext uri="{91240B29-F687-4f45-9708-019B960494DF}">
-                  <a14:hiddenLine xmlns="" xmlns:a14="http://schemas.microsoft.com/office/drawing/2010/main" w="9525">
+                  <a14:hiddenLine xmlns:a14="http://schemas.microsoft.com/office/drawing/2010/main" xmlns="" w="9525">
                     <a:solidFill>
                       <a:srgbClr val="000000"/>
                     </a:solidFill>
@@ -9492,7 +9492,7 @@
               </a:ln>
               <a:extLst>
                 <a:ext uri="{91240B29-F687-4f45-9708-019B960494DF}">
-                  <a14:hiddenLine xmlns="" xmlns:a14="http://schemas.microsoft.com/office/drawing/2010/main" w="9525">
+                  <a14:hiddenLine xmlns:a14="http://schemas.microsoft.com/office/drawing/2010/main" xmlns="" w="9525">
                     <a:solidFill>
                       <a:srgbClr val="000000"/>
                     </a:solidFill>
@@ -9554,7 +9554,7 @@
               </a:ln>
               <a:extLst>
                 <a:ext uri="{91240B29-F687-4f45-9708-019B960494DF}">
-                  <a14:hiddenLine xmlns="" xmlns:a14="http://schemas.microsoft.com/office/drawing/2010/main" w="9525">
+                  <a14:hiddenLine xmlns:a14="http://schemas.microsoft.com/office/drawing/2010/main" xmlns="" w="9525">
                     <a:solidFill>
                       <a:srgbClr val="000000"/>
                     </a:solidFill>
@@ -9644,7 +9644,7 @@
               </a:ln>
               <a:extLst>
                 <a:ext uri="{91240B29-F687-4f45-9708-019B960494DF}">
-                  <a14:hiddenLine xmlns="" xmlns:a14="http://schemas.microsoft.com/office/drawing/2010/main" w="9525">
+                  <a14:hiddenLine xmlns:a14="http://schemas.microsoft.com/office/drawing/2010/main" xmlns="" w="9525">
                     <a:solidFill>
                       <a:srgbClr val="000000"/>
                     </a:solidFill>
@@ -9734,7 +9734,7 @@
               </a:ln>
               <a:extLst>
                 <a:ext uri="{91240B29-F687-4f45-9708-019B960494DF}">
-                  <a14:hiddenLine xmlns="" xmlns:a14="http://schemas.microsoft.com/office/drawing/2010/main" w="9525">
+                  <a14:hiddenLine xmlns:a14="http://schemas.microsoft.com/office/drawing/2010/main" xmlns="" w="9525">
                     <a:solidFill>
                       <a:srgbClr val="000000"/>
                     </a:solidFill>
@@ -9796,7 +9796,7 @@
               </a:ln>
               <a:extLst>
                 <a:ext uri="{91240B29-F687-4f45-9708-019B960494DF}">
-                  <a14:hiddenLine xmlns="" xmlns:a14="http://schemas.microsoft.com/office/drawing/2010/main" w="9525">
+                  <a14:hiddenLine xmlns:a14="http://schemas.microsoft.com/office/drawing/2010/main" xmlns="" w="9525">
                     <a:solidFill>
                       <a:srgbClr val="000000"/>
                     </a:solidFill>
@@ -9906,7 +9906,7 @@
               </a:ln>
               <a:extLst>
                 <a:ext uri="{91240B29-F687-4f45-9708-019B960494DF}">
-                  <a14:hiddenLine xmlns="" xmlns:a14="http://schemas.microsoft.com/office/drawing/2010/main" w="9525">
+                  <a14:hiddenLine xmlns:a14="http://schemas.microsoft.com/office/drawing/2010/main" xmlns="" w="9525">
                     <a:solidFill>
                       <a:srgbClr val="000000"/>
                     </a:solidFill>
@@ -9990,7 +9990,7 @@
               </a:ln>
               <a:extLst>
                 <a:ext uri="{91240B29-F687-4f45-9708-019B960494DF}">
-                  <a14:hiddenLine xmlns="" xmlns:a14="http://schemas.microsoft.com/office/drawing/2010/main" w="9525">
+                  <a14:hiddenLine xmlns:a14="http://schemas.microsoft.com/office/drawing/2010/main" xmlns="" w="9525">
                     <a:solidFill>
                       <a:srgbClr val="000000"/>
                     </a:solidFill>
@@ -10052,7 +10052,7 @@
               </a:ln>
               <a:extLst>
                 <a:ext uri="{91240B29-F687-4f45-9708-019B960494DF}">
-                  <a14:hiddenLine xmlns="" xmlns:a14="http://schemas.microsoft.com/office/drawing/2010/main" w="9525">
+                  <a14:hiddenLine xmlns:a14="http://schemas.microsoft.com/office/drawing/2010/main" xmlns="" w="9525">
                     <a:solidFill>
                       <a:srgbClr val="000000"/>
                     </a:solidFill>
@@ -10114,7 +10114,7 @@
               </a:ln>
               <a:extLst>
                 <a:ext uri="{91240B29-F687-4f45-9708-019B960494DF}">
-                  <a14:hiddenLine xmlns="" xmlns:a14="http://schemas.microsoft.com/office/drawing/2010/main" w="9525">
+                  <a14:hiddenLine xmlns:a14="http://schemas.microsoft.com/office/drawing/2010/main" xmlns="" w="9525">
                     <a:solidFill>
                       <a:srgbClr val="000000"/>
                     </a:solidFill>
@@ -10204,7 +10204,7 @@
               </a:ln>
               <a:extLst>
                 <a:ext uri="{91240B29-F687-4f45-9708-019B960494DF}">
-                  <a14:hiddenLine xmlns="" xmlns:a14="http://schemas.microsoft.com/office/drawing/2010/main" w="9525">
+                  <a14:hiddenLine xmlns:a14="http://schemas.microsoft.com/office/drawing/2010/main" xmlns="" w="9525">
                     <a:solidFill>
                       <a:srgbClr val="000000"/>
                     </a:solidFill>
@@ -10238,7 +10238,7 @@
               </a:ln>
               <a:extLst>
                 <a:ext uri="{91240B29-F687-4f45-9708-019B960494DF}">
-                  <a14:hiddenLine xmlns="" xmlns:a14="http://schemas.microsoft.com/office/drawing/2010/main" w="9525">
+                  <a14:hiddenLine xmlns:a14="http://schemas.microsoft.com/office/drawing/2010/main" xmlns="" w="9525">
                     <a:solidFill>
                       <a:srgbClr val="000000"/>
                     </a:solidFill>
@@ -10303,7 +10303,7 @@
               </a:ln>
               <a:extLst>
                 <a:ext uri="{91240B29-F687-4f45-9708-019B960494DF}">
-                  <a14:hiddenLine xmlns="" xmlns:a14="http://schemas.microsoft.com/office/drawing/2010/main" w="9525">
+                  <a14:hiddenLine xmlns:a14="http://schemas.microsoft.com/office/drawing/2010/main" xmlns="" w="9525">
                     <a:solidFill>
                       <a:srgbClr val="000000"/>
                     </a:solidFill>
@@ -10393,7 +10393,7 @@
               </a:ln>
               <a:extLst>
                 <a:ext uri="{91240B29-F687-4f45-9708-019B960494DF}">
-                  <a14:hiddenLine xmlns="" xmlns:a14="http://schemas.microsoft.com/office/drawing/2010/main" w="9525">
+                  <a14:hiddenLine xmlns:a14="http://schemas.microsoft.com/office/drawing/2010/main" xmlns="" w="9525">
                     <a:solidFill>
                       <a:srgbClr val="000000"/>
                     </a:solidFill>
@@ -10455,7 +10455,7 @@
               </a:ln>
               <a:extLst>
                 <a:ext uri="{91240B29-F687-4f45-9708-019B960494DF}">
-                  <a14:hiddenLine xmlns="" xmlns:a14="http://schemas.microsoft.com/office/drawing/2010/main" w="9525">
+                  <a14:hiddenLine xmlns:a14="http://schemas.microsoft.com/office/drawing/2010/main" xmlns="" w="9525">
                     <a:solidFill>
                       <a:srgbClr val="000000"/>
                     </a:solidFill>
@@ -10545,7 +10545,7 @@
               </a:ln>
               <a:extLst>
                 <a:ext uri="{91240B29-F687-4f45-9708-019B960494DF}">
-                  <a14:hiddenLine xmlns="" xmlns:a14="http://schemas.microsoft.com/office/drawing/2010/main" w="9525">
+                  <a14:hiddenLine xmlns:a14="http://schemas.microsoft.com/office/drawing/2010/main" xmlns="" w="9525">
                     <a:solidFill>
                       <a:srgbClr val="000000"/>
                     </a:solidFill>
@@ -10610,7 +10610,7 @@
               </a:ln>
               <a:extLst>
                 <a:ext uri="{91240B29-F687-4f45-9708-019B960494DF}">
-                  <a14:hiddenLine xmlns="" xmlns:a14="http://schemas.microsoft.com/office/drawing/2010/main" w="9525">
+                  <a14:hiddenLine xmlns:a14="http://schemas.microsoft.com/office/drawing/2010/main" xmlns="" w="9525">
                     <a:solidFill>
                       <a:srgbClr val="000000"/>
                     </a:solidFill>
@@ -10672,7 +10672,7 @@
               </a:ln>
               <a:extLst>
                 <a:ext uri="{91240B29-F687-4f45-9708-019B960494DF}">
-                  <a14:hiddenLine xmlns="" xmlns:a14="http://schemas.microsoft.com/office/drawing/2010/main" w="9525">
+                  <a14:hiddenLine xmlns:a14="http://schemas.microsoft.com/office/drawing/2010/main" xmlns="" w="9525">
                     <a:solidFill>
                       <a:srgbClr val="000000"/>
                     </a:solidFill>
@@ -10762,7 +10762,7 @@
               </a:ln>
               <a:extLst>
                 <a:ext uri="{91240B29-F687-4f45-9708-019B960494DF}">
-                  <a14:hiddenLine xmlns="" xmlns:a14="http://schemas.microsoft.com/office/drawing/2010/main" w="9525">
+                  <a14:hiddenLine xmlns:a14="http://schemas.microsoft.com/office/drawing/2010/main" xmlns="" w="9525">
                     <a:solidFill>
                       <a:srgbClr val="000000"/>
                     </a:solidFill>
@@ -10852,7 +10852,7 @@
               </a:ln>
               <a:extLst>
                 <a:ext uri="{91240B29-F687-4f45-9708-019B960494DF}">
-                  <a14:hiddenLine xmlns="" xmlns:a14="http://schemas.microsoft.com/office/drawing/2010/main" w="9525">
+                  <a14:hiddenLine xmlns:a14="http://schemas.microsoft.com/office/drawing/2010/main" xmlns="" w="9525">
                     <a:solidFill>
                       <a:srgbClr val="000000"/>
                     </a:solidFill>
@@ -10917,7 +10917,7 @@
               </a:ln>
               <a:extLst>
                 <a:ext uri="{91240B29-F687-4f45-9708-019B960494DF}">
-                  <a14:hiddenLine xmlns="" xmlns:a14="http://schemas.microsoft.com/office/drawing/2010/main" w="9525">
+                  <a14:hiddenLine xmlns:a14="http://schemas.microsoft.com/office/drawing/2010/main" xmlns="" w="9525">
                     <a:solidFill>
                       <a:srgbClr val="000000"/>
                     </a:solidFill>
@@ -11037,7 +11037,7 @@
               </a:ln>
               <a:extLst>
                 <a:ext uri="{91240B29-F687-4f45-9708-019B960494DF}">
-                  <a14:hiddenLine xmlns="" xmlns:a14="http://schemas.microsoft.com/office/drawing/2010/main" w="9525">
+                  <a14:hiddenLine xmlns:a14="http://schemas.microsoft.com/office/drawing/2010/main" xmlns="" w="9525">
                     <a:solidFill>
                       <a:srgbClr val="000000"/>
                     </a:solidFill>
@@ -11118,7 +11118,7 @@
               </a:ln>
               <a:extLst>
                 <a:ext uri="{91240B29-F687-4f45-9708-019B960494DF}">
-                  <a14:hiddenLine xmlns="" xmlns:a14="http://schemas.microsoft.com/office/drawing/2010/main" w="9525">
+                  <a14:hiddenLine xmlns:a14="http://schemas.microsoft.com/office/drawing/2010/main" xmlns="" w="9525">
                     <a:solidFill>
                       <a:srgbClr val="000000"/>
                     </a:solidFill>
@@ -11233,7 +11233,7 @@
               </a:ln>
               <a:extLst>
                 <a:ext uri="{91240B29-F687-4f45-9708-019B960494DF}">
-                  <a14:hiddenLine xmlns="" xmlns:a14="http://schemas.microsoft.com/office/drawing/2010/main" w="9525">
+                  <a14:hiddenLine xmlns:a14="http://schemas.microsoft.com/office/drawing/2010/main" xmlns="" w="9525">
                     <a:solidFill>
                       <a:srgbClr val="000000"/>
                     </a:solidFill>
@@ -11323,7 +11323,7 @@
               </a:ln>
               <a:extLst>
                 <a:ext uri="{91240B29-F687-4f45-9708-019B960494DF}">
-                  <a14:hiddenLine xmlns="" xmlns:a14="http://schemas.microsoft.com/office/drawing/2010/main" w="9525">
+                  <a14:hiddenLine xmlns:a14="http://schemas.microsoft.com/office/drawing/2010/main" xmlns="" w="9525">
                     <a:solidFill>
                       <a:srgbClr val="000000"/>
                     </a:solidFill>
@@ -11388,7 +11388,7 @@
               </a:ln>
               <a:extLst>
                 <a:ext uri="{91240B29-F687-4f45-9708-019B960494DF}">
-                  <a14:hiddenLine xmlns="" xmlns:a14="http://schemas.microsoft.com/office/drawing/2010/main" w="9525">
+                  <a14:hiddenLine xmlns:a14="http://schemas.microsoft.com/office/drawing/2010/main" xmlns="" w="9525">
                     <a:solidFill>
                       <a:srgbClr val="000000"/>
                     </a:solidFill>
@@ -11478,7 +11478,7 @@
               </a:ln>
               <a:extLst>
                 <a:ext uri="{91240B29-F687-4f45-9708-019B960494DF}">
-                  <a14:hiddenLine xmlns="" xmlns:a14="http://schemas.microsoft.com/office/drawing/2010/main" w="9525">
+                  <a14:hiddenLine xmlns:a14="http://schemas.microsoft.com/office/drawing/2010/main" xmlns="" w="9525">
                     <a:solidFill>
                       <a:srgbClr val="000000"/>
                     </a:solidFill>
@@ -11546,7 +11546,7 @@
               </a:ln>
               <a:extLst>
                 <a:ext uri="{91240B29-F687-4f45-9708-019B960494DF}">
-                  <a14:hiddenLine xmlns="" xmlns:a14="http://schemas.microsoft.com/office/drawing/2010/main" w="9525">
+                  <a14:hiddenLine xmlns:a14="http://schemas.microsoft.com/office/drawing/2010/main" xmlns="" w="9525">
                     <a:solidFill>
                       <a:srgbClr val="000000"/>
                     </a:solidFill>
@@ -11636,7 +11636,7 @@
               </a:ln>
               <a:extLst>
                 <a:ext uri="{91240B29-F687-4f45-9708-019B960494DF}">
-                  <a14:hiddenLine xmlns="" xmlns:a14="http://schemas.microsoft.com/office/drawing/2010/main" w="9525">
+                  <a14:hiddenLine xmlns:a14="http://schemas.microsoft.com/office/drawing/2010/main" xmlns="" w="9525">
                     <a:solidFill>
                       <a:srgbClr val="000000"/>
                     </a:solidFill>
@@ -11704,7 +11704,7 @@
               </a:ln>
               <a:extLst>
                 <a:ext uri="{91240B29-F687-4f45-9708-019B960494DF}">
-                  <a14:hiddenLine xmlns="" xmlns:a14="http://schemas.microsoft.com/office/drawing/2010/main" w="9525">
+                  <a14:hiddenLine xmlns:a14="http://schemas.microsoft.com/office/drawing/2010/main" xmlns="" w="9525">
                     <a:solidFill>
                       <a:srgbClr val="000000"/>
                     </a:solidFill>
@@ -11794,7 +11794,7 @@
               </a:ln>
               <a:extLst>
                 <a:ext uri="{91240B29-F687-4f45-9708-019B960494DF}">
-                  <a14:hiddenLine xmlns="" xmlns:a14="http://schemas.microsoft.com/office/drawing/2010/main" w="9525">
+                  <a14:hiddenLine xmlns:a14="http://schemas.microsoft.com/office/drawing/2010/main" xmlns="" w="9525">
                     <a:solidFill>
                       <a:srgbClr val="000000"/>
                     </a:solidFill>
@@ -11828,7 +11828,7 @@
               </a:ln>
               <a:extLst>
                 <a:ext uri="{91240B29-F687-4f45-9708-019B960494DF}">
-                  <a14:hiddenLine xmlns="" xmlns:a14="http://schemas.microsoft.com/office/drawing/2010/main" w="9525">
+                  <a14:hiddenLine xmlns:a14="http://schemas.microsoft.com/office/drawing/2010/main" xmlns="" w="9525">
                     <a:solidFill>
                       <a:srgbClr val="000000"/>
                     </a:solidFill>
@@ -11969,7 +11969,7 @@
             <a:fld id="{48A87A34-81AB-432B-8DAE-1953F412C126}" type="datetimeFigureOut">
               <a:rPr lang="en-US" dirty="0"/>
               <a:pPr/>
-              <a:t>9/16/2021</a:t>
+              <a:t>10/20/2021</a:t>
             </a:fld>
             <a:endParaRPr lang="en-US" dirty="0"/>
           </a:p>
@@ -17291,15 +17291,7 @@
                   <a:srgbClr val="00B0F0"/>
                 </a:solidFill>
               </a:rPr>
-              <a:t>web-server </a:t>
-            </a:r>
-            <a:r>
-              <a:rPr lang="en-US" sz="2000" b="1" dirty="0" smtClean="0">
-                <a:solidFill>
-                  <a:srgbClr val="00B0F0"/>
-                </a:solidFill>
-              </a:rPr>
-              <a:t>| jq</a:t>
+              <a:t>web-server | jq</a:t>
             </a:r>
             <a:endParaRPr lang="en-US" sz="2000" b="1" dirty="0">
               <a:solidFill>
@@ -17374,31 +17366,15 @@
                   <a:srgbClr val="00B0F0"/>
                 </a:solidFill>
               </a:rPr>
-              <a:t>web-server </a:t>
-            </a:r>
-            <a:r>
-              <a:rPr lang="en-US" sz="2000" b="1" dirty="0" smtClean="0">
+              <a:t>web-server | jq </a:t>
+            </a:r>
+            <a:r>
+              <a:rPr lang="en-US" sz="2000" b="1">
                 <a:solidFill>
                   <a:srgbClr val="00B0F0"/>
                 </a:solidFill>
               </a:rPr>
-              <a:t>| jq </a:t>
-            </a:r>
-            <a:r>
-              <a:rPr lang="en-US" sz="2000" b="1">
-                <a:solidFill>
-                  <a:srgbClr val="00B0F0"/>
-                </a:solidFill>
-              </a:rPr>
-              <a:t>'.</a:t>
-            </a:r>
-            <a:r>
-              <a:rPr lang="en-US" sz="2000" b="1">
-                <a:solidFill>
-                  <a:srgbClr val="00B0F0"/>
-                </a:solidFill>
-              </a:rPr>
-              <a:t>Ports'</a:t>
+              <a:t>'.Ports'</a:t>
             </a:r>
             <a:endParaRPr lang="en-US" sz="2000" b="1" dirty="0" smtClean="0">
               <a:solidFill>
@@ -19194,11 +19170,7 @@
             </a:r>
             <a:r>
               <a:rPr lang="en-US" sz="2800" dirty="0" smtClean="0"/>
-              <a:t>for </a:t>
-            </a:r>
-            <a:r>
-              <a:rPr lang="en-US" sz="2800" dirty="0" smtClean="0"/>
-              <a:t>your Docker </a:t>
+              <a:t>for your Docker </a:t>
             </a:r>
             <a:r>
               <a:rPr lang="en-US" sz="2800" dirty="0"/>
@@ -20316,11 +20288,7 @@
             </a:r>
             <a:r>
               <a:rPr lang="en-US" dirty="0" smtClean="0"/>
-              <a:t>talk about </a:t>
-            </a:r>
-            <a:r>
-              <a:rPr lang="en-US" dirty="0" smtClean="0"/>
-              <a:t>in a later chapter, </a:t>
+              <a:t>talk about in a later chapter, </a:t>
             </a:r>
             <a:r>
               <a:rPr lang="en-US" dirty="0"/>
